--- a/content/project/Figures.pptx
+++ b/content/project/Figures.pptx
@@ -5,10 +5,12 @@
     <p:sldMasterId id="2147483648" r:id="rId1"/>
   </p:sldMasterIdLst>
   <p:notesMasterIdLst>
-    <p:notesMasterId r:id="rId3"/>
+    <p:notesMasterId r:id="rId5"/>
   </p:notesMasterIdLst>
   <p:sldIdLst>
     <p:sldId id="270" r:id="rId2"/>
+    <p:sldId id="271" r:id="rId3"/>
+    <p:sldId id="273" r:id="rId4"/>
   </p:sldIdLst>
   <p:sldSz cx="12192000" cy="6858000"/>
   <p:notesSz cx="6858000" cy="9144000"/>
@@ -3856,6 +3858,2911 @@
     <p:extLst>
       <p:ext uri="{BB962C8B-B14F-4D97-AF65-F5344CB8AC3E}">
         <p14:creationId xmlns:p14="http://schemas.microsoft.com/office/powerpoint/2010/main" val="1727387103"/>
+      </p:ext>
+    </p:extLst>
+  </p:cSld>
+  <p:clrMapOvr>
+    <a:masterClrMapping/>
+  </p:clrMapOvr>
+</p:sld>
+</file>
+
+<file path=ppt/slides/slide2.xml><?xml version="1.0" encoding="utf-8"?>
+<p:sld xmlns:a="http://schemas.openxmlformats.org/drawingml/2006/main" xmlns:r="http://schemas.openxmlformats.org/officeDocument/2006/relationships" xmlns:p="http://schemas.openxmlformats.org/presentationml/2006/main">
+  <p:cSld>
+    <p:spTree>
+      <p:nvGrpSpPr>
+        <p:cNvPr id="1" name=""/>
+        <p:cNvGrpSpPr/>
+        <p:nvPr/>
+      </p:nvGrpSpPr>
+      <p:grpSpPr>
+        <a:xfrm>
+          <a:off x="0" y="0"/>
+          <a:ext cx="0" cy="0"/>
+          <a:chOff x="0" y="0"/>
+          <a:chExt cx="0" cy="0"/>
+        </a:xfrm>
+      </p:grpSpPr>
+      <p:sp>
+        <p:nvSpPr>
+          <p:cNvPr id="4" name="Rectangle 3">
+            <a:extLst>
+              <a:ext uri="{FF2B5EF4-FFF2-40B4-BE49-F238E27FC236}">
+                <a16:creationId xmlns:a16="http://schemas.microsoft.com/office/drawing/2014/main" id="{E1B77ECA-B326-7245-84B9-D8543C4A4FC3}"/>
+              </a:ext>
+            </a:extLst>
+          </p:cNvPr>
+          <p:cNvSpPr/>
+          <p:nvPr/>
+        </p:nvSpPr>
+        <p:spPr>
+          <a:xfrm>
+            <a:off x="2136659" y="1917608"/>
+            <a:ext cx="1954306" cy="2394813"/>
+          </a:xfrm>
+          <a:prstGeom prst="rect">
+            <a:avLst/>
+          </a:prstGeom>
+          <a:noFill/>
+          <a:ln w="12700">
+            <a:solidFill>
+              <a:schemeClr val="tx1"/>
+            </a:solidFill>
+          </a:ln>
+        </p:spPr>
+        <p:style>
+          <a:lnRef idx="2">
+            <a:schemeClr val="accent1">
+              <a:shade val="50000"/>
+            </a:schemeClr>
+          </a:lnRef>
+          <a:fillRef idx="1">
+            <a:schemeClr val="accent1"/>
+          </a:fillRef>
+          <a:effectRef idx="0">
+            <a:schemeClr val="accent1"/>
+          </a:effectRef>
+          <a:fontRef idx="minor">
+            <a:schemeClr val="lt1"/>
+          </a:fontRef>
+        </p:style>
+        <p:txBody>
+          <a:bodyPr rtlCol="0" anchor="t"/>
+          <a:lstStyle/>
+          <a:p>
+            <a:pPr algn="ctr"/>
+            <a:r>
+              <a:rPr lang="en-US" sz="1600" b="1" dirty="0">
+                <a:solidFill>
+                  <a:schemeClr val="tx1"/>
+                </a:solidFill>
+                <a:latin typeface="Times New Roman" panose="02020603050405020304" pitchFamily="18" charset="0"/>
+                <a:ea typeface="Times" charset="0"/>
+                <a:cs typeface="Times New Roman" panose="02020603050405020304" pitchFamily="18" charset="0"/>
+              </a:rPr>
+              <a:t>High-fidelity RVE</a:t>
+            </a:r>
+          </a:p>
+          <a:p>
+            <a:pPr algn="ctr"/>
+            <a:r>
+              <a:rPr lang="en-US" sz="1600" b="1" dirty="0">
+                <a:solidFill>
+                  <a:schemeClr val="tx1"/>
+                </a:solidFill>
+                <a:latin typeface="Times New Roman" panose="02020603050405020304" pitchFamily="18" charset="0"/>
+                <a:ea typeface="Times" charset="0"/>
+                <a:cs typeface="Times New Roman" panose="02020603050405020304" pitchFamily="18" charset="0"/>
+              </a:rPr>
+              <a:t>(DNS)</a:t>
+            </a:r>
+          </a:p>
+        </p:txBody>
+      </p:sp>
+      <p:sp>
+        <p:nvSpPr>
+          <p:cNvPr id="5" name="Rectangle 4">
+            <a:extLst>
+              <a:ext uri="{FF2B5EF4-FFF2-40B4-BE49-F238E27FC236}">
+                <a16:creationId xmlns:a16="http://schemas.microsoft.com/office/drawing/2014/main" id="{C36387DC-4F62-D84B-B9F8-9C392D7E7D65}"/>
+              </a:ext>
+            </a:extLst>
+          </p:cNvPr>
+          <p:cNvSpPr/>
+          <p:nvPr/>
+        </p:nvSpPr>
+        <p:spPr>
+          <a:xfrm>
+            <a:off x="4426410" y="1917612"/>
+            <a:ext cx="3644900" cy="1688692"/>
+          </a:xfrm>
+          <a:prstGeom prst="rect">
+            <a:avLst/>
+          </a:prstGeom>
+          <a:noFill/>
+          <a:ln w="12700">
+            <a:solidFill>
+              <a:schemeClr val="tx1"/>
+            </a:solidFill>
+          </a:ln>
+        </p:spPr>
+        <p:style>
+          <a:lnRef idx="2">
+            <a:schemeClr val="accent1">
+              <a:shade val="50000"/>
+            </a:schemeClr>
+          </a:lnRef>
+          <a:fillRef idx="1">
+            <a:schemeClr val="accent1"/>
+          </a:fillRef>
+          <a:effectRef idx="0">
+            <a:schemeClr val="accent1"/>
+          </a:effectRef>
+          <a:fontRef idx="minor">
+            <a:schemeClr val="lt1"/>
+          </a:fontRef>
+        </p:style>
+        <p:txBody>
+          <a:bodyPr rtlCol="0" anchor="ctr"/>
+          <a:lstStyle/>
+          <a:p>
+            <a:pPr algn="ctr"/>
+            <a:endParaRPr lang="en-US" sz="2000">
+              <a:latin typeface="Times New Roman" panose="02020603050405020304" pitchFamily="18" charset="0"/>
+              <a:ea typeface="Times" charset="0"/>
+              <a:cs typeface="Times New Roman" panose="02020603050405020304" pitchFamily="18" charset="0"/>
+            </a:endParaRPr>
+          </a:p>
+        </p:txBody>
+      </p:sp>
+      <p:sp>
+        <p:nvSpPr>
+          <p:cNvPr id="6" name="TextBox 5">
+            <a:extLst>
+              <a:ext uri="{FF2B5EF4-FFF2-40B4-BE49-F238E27FC236}">
+                <a16:creationId xmlns:a16="http://schemas.microsoft.com/office/drawing/2014/main" id="{8864E459-5BFD-8D4D-BDB4-FA88B866E06F}"/>
+              </a:ext>
+            </a:extLst>
+          </p:cNvPr>
+          <p:cNvSpPr txBox="1"/>
+          <p:nvPr/>
+        </p:nvSpPr>
+        <p:spPr>
+          <a:xfrm>
+            <a:off x="4557042" y="1915672"/>
+            <a:ext cx="3392749" cy="338554"/>
+          </a:xfrm>
+          <a:prstGeom prst="rect">
+            <a:avLst/>
+          </a:prstGeom>
+          <a:noFill/>
+          <a:ln w="28575">
+            <a:noFill/>
+          </a:ln>
+        </p:spPr>
+        <p:txBody>
+          <a:bodyPr wrap="square" rtlCol="0">
+            <a:spAutoFit/>
+          </a:bodyPr>
+          <a:lstStyle/>
+          <a:p>
+            <a:pPr algn="ctr"/>
+            <a:r>
+              <a:rPr lang="en-US" sz="1600" b="1" dirty="0">
+                <a:latin typeface="Times New Roman" panose="02020603050405020304" pitchFamily="18" charset="0"/>
+                <a:ea typeface="Times" charset="0"/>
+                <a:cs typeface="Times New Roman" panose="02020603050405020304" pitchFamily="18" charset="0"/>
+              </a:rPr>
+              <a:t>Offline or training stage (SCA)</a:t>
+            </a:r>
+          </a:p>
+        </p:txBody>
+      </p:sp>
+      <p:sp>
+        <p:nvSpPr>
+          <p:cNvPr id="7" name="Rounded Rectangle 6">
+            <a:extLst>
+              <a:ext uri="{FF2B5EF4-FFF2-40B4-BE49-F238E27FC236}">
+                <a16:creationId xmlns:a16="http://schemas.microsoft.com/office/drawing/2014/main" id="{E33B43D4-241D-C747-9F2C-6294B0F8EEB5}"/>
+              </a:ext>
+            </a:extLst>
+          </p:cNvPr>
+          <p:cNvSpPr/>
+          <p:nvPr/>
+        </p:nvSpPr>
+        <p:spPr>
+          <a:xfrm>
+            <a:off x="4564287" y="2279141"/>
+            <a:ext cx="3392748" cy="548640"/>
+          </a:xfrm>
+          <a:prstGeom prst="roundRect">
+            <a:avLst/>
+          </a:prstGeom>
+          <a:noFill/>
+          <a:ln w="12700">
+            <a:solidFill>
+              <a:schemeClr val="tx1"/>
+            </a:solidFill>
+          </a:ln>
+          <a:effectLst/>
+        </p:spPr>
+        <p:style>
+          <a:lnRef idx="3">
+            <a:schemeClr val="lt1"/>
+          </a:lnRef>
+          <a:fillRef idx="1">
+            <a:schemeClr val="accent4"/>
+          </a:fillRef>
+          <a:effectRef idx="1">
+            <a:schemeClr val="accent4"/>
+          </a:effectRef>
+          <a:fontRef idx="minor">
+            <a:schemeClr val="lt1"/>
+          </a:fontRef>
+        </p:style>
+        <p:txBody>
+          <a:bodyPr rtlCol="0" anchor="ctr" anchorCtr="0"/>
+          <a:lstStyle/>
+          <a:p>
+            <a:r>
+              <a:rPr lang="en-US" sz="1400" dirty="0">
+                <a:solidFill>
+                  <a:schemeClr val="tx1"/>
+                </a:solidFill>
+                <a:latin typeface="Times New Roman" panose="02020603050405020304" pitchFamily="18" charset="0"/>
+                <a:ea typeface="Times" charset="0"/>
+                <a:cs typeface="Times New Roman" panose="02020603050405020304" pitchFamily="18" charset="0"/>
+              </a:rPr>
+              <a:t>1) Domain decomposition (k-means clustering): find material clusters.</a:t>
+            </a:r>
+          </a:p>
+        </p:txBody>
+      </p:sp>
+      <p:sp>
+        <p:nvSpPr>
+          <p:cNvPr id="8" name="Rectangle 7">
+            <a:extLst>
+              <a:ext uri="{FF2B5EF4-FFF2-40B4-BE49-F238E27FC236}">
+                <a16:creationId xmlns:a16="http://schemas.microsoft.com/office/drawing/2014/main" id="{57D5C6CB-F004-F945-8363-B97E39D44AD6}"/>
+              </a:ext>
+            </a:extLst>
+          </p:cNvPr>
+          <p:cNvSpPr/>
+          <p:nvPr/>
+        </p:nvSpPr>
+        <p:spPr>
+          <a:xfrm>
+            <a:off x="8415594" y="1917608"/>
+            <a:ext cx="1935677" cy="2899819"/>
+          </a:xfrm>
+          <a:prstGeom prst="rect">
+            <a:avLst/>
+          </a:prstGeom>
+          <a:noFill/>
+          <a:ln w="12700">
+            <a:solidFill>
+              <a:schemeClr val="tx1"/>
+            </a:solidFill>
+          </a:ln>
+        </p:spPr>
+        <p:style>
+          <a:lnRef idx="2">
+            <a:schemeClr val="accent1">
+              <a:shade val="50000"/>
+            </a:schemeClr>
+          </a:lnRef>
+          <a:fillRef idx="1">
+            <a:schemeClr val="accent1"/>
+          </a:fillRef>
+          <a:effectRef idx="0">
+            <a:schemeClr val="accent1"/>
+          </a:effectRef>
+          <a:fontRef idx="minor">
+            <a:schemeClr val="lt1"/>
+          </a:fontRef>
+        </p:style>
+        <p:txBody>
+          <a:bodyPr rtlCol="0" anchor="t"/>
+          <a:lstStyle/>
+          <a:p>
+            <a:pPr algn="ctr"/>
+            <a:r>
+              <a:rPr lang="en-US" sz="1600" b="1" dirty="0">
+                <a:solidFill>
+                  <a:schemeClr val="tx1"/>
+                </a:solidFill>
+                <a:latin typeface="Times New Roman" panose="02020603050405020304" pitchFamily="18" charset="0"/>
+                <a:ea typeface="Times" charset="0"/>
+                <a:cs typeface="Times New Roman" panose="02020603050405020304" pitchFamily="18" charset="0"/>
+              </a:rPr>
+              <a:t>Reduced Order Model</a:t>
+            </a:r>
+          </a:p>
+        </p:txBody>
+      </p:sp>
+      <p:sp>
+        <p:nvSpPr>
+          <p:cNvPr id="9" name="Rounded Rectangle 8">
+            <a:extLst>
+              <a:ext uri="{FF2B5EF4-FFF2-40B4-BE49-F238E27FC236}">
+                <a16:creationId xmlns:a16="http://schemas.microsoft.com/office/drawing/2014/main" id="{C80D8DE5-DE57-9643-A87A-938E8E14D2A3}"/>
+              </a:ext>
+            </a:extLst>
+          </p:cNvPr>
+          <p:cNvSpPr/>
+          <p:nvPr/>
+        </p:nvSpPr>
+        <p:spPr>
+          <a:xfrm>
+            <a:off x="4564287" y="2958940"/>
+            <a:ext cx="3392748" cy="510918"/>
+          </a:xfrm>
+          <a:prstGeom prst="roundRect">
+            <a:avLst/>
+          </a:prstGeom>
+          <a:noFill/>
+          <a:ln w="12700">
+            <a:solidFill>
+              <a:schemeClr val="tx1"/>
+            </a:solidFill>
+          </a:ln>
+          <a:effectLst/>
+        </p:spPr>
+        <p:style>
+          <a:lnRef idx="3">
+            <a:schemeClr val="lt1"/>
+          </a:lnRef>
+          <a:fillRef idx="1">
+            <a:schemeClr val="accent4"/>
+          </a:fillRef>
+          <a:effectRef idx="1">
+            <a:schemeClr val="accent4"/>
+          </a:effectRef>
+          <a:fontRef idx="minor">
+            <a:schemeClr val="lt1"/>
+          </a:fontRef>
+        </p:style>
+        <p:txBody>
+          <a:bodyPr rtlCol="0" anchor="ctr" anchorCtr="0"/>
+          <a:lstStyle/>
+          <a:p>
+            <a:pPr algn="just"/>
+            <a:r>
+              <a:rPr lang="en-US" sz="1400" dirty="0">
+                <a:solidFill>
+                  <a:schemeClr val="tx1"/>
+                </a:solidFill>
+                <a:latin typeface="Times New Roman" panose="02020603050405020304" pitchFamily="18" charset="0"/>
+                <a:ea typeface="Times" charset="0"/>
+                <a:cs typeface="Times New Roman" panose="02020603050405020304" pitchFamily="18" charset="0"/>
+              </a:rPr>
+              <a:t>2) Compute the interaction tensors based on the Green’s function.</a:t>
+            </a:r>
+          </a:p>
+        </p:txBody>
+      </p:sp>
+      <p:sp>
+        <p:nvSpPr>
+          <p:cNvPr id="13" name="Rectangle 12">
+            <a:extLst>
+              <a:ext uri="{FF2B5EF4-FFF2-40B4-BE49-F238E27FC236}">
+                <a16:creationId xmlns:a16="http://schemas.microsoft.com/office/drawing/2014/main" id="{14604290-ADCE-D84D-B30A-D3805CBF1C51}"/>
+              </a:ext>
+            </a:extLst>
+          </p:cNvPr>
+          <p:cNvSpPr/>
+          <p:nvPr/>
+        </p:nvSpPr>
+        <p:spPr>
+          <a:xfrm>
+            <a:off x="4426409" y="3807416"/>
+            <a:ext cx="3642435" cy="1010012"/>
+          </a:xfrm>
+          <a:prstGeom prst="rect">
+            <a:avLst/>
+          </a:prstGeom>
+          <a:noFill/>
+          <a:ln w="12700">
+            <a:solidFill>
+              <a:schemeClr val="tx1"/>
+            </a:solidFill>
+          </a:ln>
+        </p:spPr>
+        <p:style>
+          <a:lnRef idx="2">
+            <a:schemeClr val="accent1">
+              <a:shade val="50000"/>
+            </a:schemeClr>
+          </a:lnRef>
+          <a:fillRef idx="1">
+            <a:schemeClr val="accent1"/>
+          </a:fillRef>
+          <a:effectRef idx="0">
+            <a:schemeClr val="accent1"/>
+          </a:effectRef>
+          <a:fontRef idx="minor">
+            <a:schemeClr val="lt1"/>
+          </a:fontRef>
+        </p:style>
+        <p:txBody>
+          <a:bodyPr rtlCol="0" anchor="ctr"/>
+          <a:lstStyle/>
+          <a:p>
+            <a:pPr algn="ctr"/>
+            <a:endParaRPr lang="en-US" sz="2000">
+              <a:latin typeface="Times New Roman" panose="02020603050405020304" pitchFamily="18" charset="0"/>
+              <a:ea typeface="Times" charset="0"/>
+              <a:cs typeface="Times New Roman" panose="02020603050405020304" pitchFamily="18" charset="0"/>
+            </a:endParaRPr>
+          </a:p>
+        </p:txBody>
+      </p:sp>
+      <p:sp>
+        <p:nvSpPr>
+          <p:cNvPr id="14" name="TextBox 13">
+            <a:extLst>
+              <a:ext uri="{FF2B5EF4-FFF2-40B4-BE49-F238E27FC236}">
+                <a16:creationId xmlns:a16="http://schemas.microsoft.com/office/drawing/2014/main" id="{1BD676C9-98D9-DB4F-A65D-B616C6915D98}"/>
+              </a:ext>
+            </a:extLst>
+          </p:cNvPr>
+          <p:cNvSpPr txBox="1"/>
+          <p:nvPr/>
+        </p:nvSpPr>
+        <p:spPr>
+          <a:xfrm>
+            <a:off x="4542958" y="3807417"/>
+            <a:ext cx="3392749" cy="338554"/>
+          </a:xfrm>
+          <a:prstGeom prst="rect">
+            <a:avLst/>
+          </a:prstGeom>
+          <a:noFill/>
+          <a:ln w="28575">
+            <a:noFill/>
+          </a:ln>
+        </p:spPr>
+        <p:txBody>
+          <a:bodyPr wrap="square" rtlCol="0">
+            <a:spAutoFit/>
+          </a:bodyPr>
+          <a:lstStyle/>
+          <a:p>
+            <a:pPr algn="ctr"/>
+            <a:r>
+              <a:rPr lang="en-US" sz="1600" b="1" dirty="0">
+                <a:latin typeface="Times New Roman" panose="02020603050405020304" pitchFamily="18" charset="0"/>
+                <a:ea typeface="Times" charset="0"/>
+                <a:cs typeface="Times New Roman" panose="02020603050405020304" pitchFamily="18" charset="0"/>
+              </a:rPr>
+              <a:t>Online or predictive stage (SCA)</a:t>
+            </a:r>
+          </a:p>
+        </p:txBody>
+      </p:sp>
+      <p:sp>
+        <p:nvSpPr>
+          <p:cNvPr id="15" name="Rounded Rectangle 14">
+            <a:extLst>
+              <a:ext uri="{FF2B5EF4-FFF2-40B4-BE49-F238E27FC236}">
+                <a16:creationId xmlns:a16="http://schemas.microsoft.com/office/drawing/2014/main" id="{7017533F-DBB4-294F-8AE7-F2C042FCAC33}"/>
+              </a:ext>
+            </a:extLst>
+          </p:cNvPr>
+          <p:cNvSpPr/>
+          <p:nvPr/>
+        </p:nvSpPr>
+        <p:spPr>
+          <a:xfrm>
+            <a:off x="4566077" y="4137100"/>
+            <a:ext cx="3392750" cy="563372"/>
+          </a:xfrm>
+          <a:prstGeom prst="roundRect">
+            <a:avLst/>
+          </a:prstGeom>
+          <a:noFill/>
+          <a:ln w="12700">
+            <a:solidFill>
+              <a:schemeClr val="tx1"/>
+            </a:solidFill>
+          </a:ln>
+          <a:effectLst/>
+        </p:spPr>
+        <p:style>
+          <a:lnRef idx="3">
+            <a:schemeClr val="lt1"/>
+          </a:lnRef>
+          <a:fillRef idx="1">
+            <a:schemeClr val="accent4"/>
+          </a:fillRef>
+          <a:effectRef idx="1">
+            <a:schemeClr val="accent4"/>
+          </a:effectRef>
+          <a:fontRef idx="minor">
+            <a:schemeClr val="lt1"/>
+          </a:fontRef>
+        </p:style>
+        <p:txBody>
+          <a:bodyPr rtlCol="0" anchor="ctr" anchorCtr="0"/>
+          <a:lstStyle/>
+          <a:p>
+            <a:r>
+              <a:rPr lang="en-US" sz="1400" dirty="0">
+                <a:solidFill>
+                  <a:schemeClr val="tx1"/>
+                </a:solidFill>
+                <a:latin typeface="Times New Roman" panose="02020603050405020304" pitchFamily="18" charset="0"/>
+                <a:ea typeface="Times" charset="0"/>
+                <a:cs typeface="Times New Roman" panose="02020603050405020304" pitchFamily="18" charset="0"/>
+              </a:rPr>
+              <a:t>Self-consistent scheme for reduced</a:t>
+            </a:r>
+            <a:r>
+              <a:rPr lang="en-US" sz="1400" dirty="0">
+                <a:solidFill>
+                  <a:srgbClr val="FF0000"/>
+                </a:solidFill>
+                <a:latin typeface="Times New Roman" panose="02020603050405020304" pitchFamily="18" charset="0"/>
+                <a:ea typeface="Times" charset="0"/>
+                <a:cs typeface="Times New Roman" panose="02020603050405020304" pitchFamily="18" charset="0"/>
+              </a:rPr>
+              <a:t> </a:t>
+            </a:r>
+            <a:r>
+              <a:rPr lang="en-US" altLang="zh-CN" sz="1400" dirty="0">
+                <a:solidFill>
+                  <a:schemeClr val="tx1"/>
+                </a:solidFill>
+                <a:latin typeface="Times New Roman" panose="02020603050405020304" pitchFamily="18" charset="0"/>
+                <a:ea typeface="Times" charset="0"/>
+                <a:cs typeface="Times New Roman" panose="02020603050405020304" pitchFamily="18" charset="0"/>
+              </a:rPr>
+              <a:t>Lippman-Schwinger equation</a:t>
+            </a:r>
+            <a:r>
+              <a:rPr lang="en-US" sz="1400" dirty="0">
+                <a:solidFill>
+                  <a:schemeClr val="tx1"/>
+                </a:solidFill>
+                <a:latin typeface="Times New Roman" panose="02020603050405020304" pitchFamily="18" charset="0"/>
+                <a:ea typeface="Times" charset="0"/>
+                <a:cs typeface="Times New Roman" panose="02020603050405020304" pitchFamily="18" charset="0"/>
+              </a:rPr>
+              <a:t>. </a:t>
+            </a:r>
+          </a:p>
+        </p:txBody>
+      </p:sp>
+      <p:cxnSp>
+        <p:nvCxnSpPr>
+          <p:cNvPr id="16" name="Straight Arrow Connector 15">
+            <a:extLst>
+              <a:ext uri="{FF2B5EF4-FFF2-40B4-BE49-F238E27FC236}">
+                <a16:creationId xmlns:a16="http://schemas.microsoft.com/office/drawing/2014/main" id="{FC947A42-C0F6-4049-AC4D-4AC5B7D0BB53}"/>
+              </a:ext>
+            </a:extLst>
+          </p:cNvPr>
+          <p:cNvCxnSpPr/>
+          <p:nvPr/>
+        </p:nvCxnSpPr>
+        <p:spPr>
+          <a:xfrm flipH="1">
+            <a:off x="4079624" y="2825785"/>
+            <a:ext cx="370388" cy="1996"/>
+          </a:xfrm>
+          <a:prstGeom prst="straightConnector1">
+            <a:avLst/>
+          </a:prstGeom>
+          <a:ln w="38100">
+            <a:solidFill>
+              <a:schemeClr val="tx1"/>
+            </a:solidFill>
+            <a:headEnd type="triangle" w="med" len="med"/>
+            <a:tailEnd type="none" w="med" len="med"/>
+          </a:ln>
+        </p:spPr>
+        <p:style>
+          <a:lnRef idx="2">
+            <a:schemeClr val="accent1"/>
+          </a:lnRef>
+          <a:fillRef idx="0">
+            <a:schemeClr val="accent1"/>
+          </a:fillRef>
+          <a:effectRef idx="1">
+            <a:schemeClr val="accent1"/>
+          </a:effectRef>
+          <a:fontRef idx="minor">
+            <a:schemeClr val="tx1"/>
+          </a:fontRef>
+        </p:style>
+      </p:cxnSp>
+      <p:cxnSp>
+        <p:nvCxnSpPr>
+          <p:cNvPr id="18" name="Straight Arrow Connector 17">
+            <a:extLst>
+              <a:ext uri="{FF2B5EF4-FFF2-40B4-BE49-F238E27FC236}">
+                <a16:creationId xmlns:a16="http://schemas.microsoft.com/office/drawing/2014/main" id="{885BEA19-6F21-8245-90A7-A876A393E1EB}"/>
+              </a:ext>
+            </a:extLst>
+          </p:cNvPr>
+          <p:cNvCxnSpPr/>
+          <p:nvPr/>
+        </p:nvCxnSpPr>
+        <p:spPr>
+          <a:xfrm flipH="1">
+            <a:off x="8068844" y="2825785"/>
+            <a:ext cx="370388" cy="1996"/>
+          </a:xfrm>
+          <a:prstGeom prst="straightConnector1">
+            <a:avLst/>
+          </a:prstGeom>
+          <a:ln w="38100">
+            <a:solidFill>
+              <a:schemeClr val="tx1"/>
+            </a:solidFill>
+            <a:headEnd type="triangle" w="med" len="med"/>
+            <a:tailEnd type="none" w="med" len="med"/>
+          </a:ln>
+        </p:spPr>
+        <p:style>
+          <a:lnRef idx="2">
+            <a:schemeClr val="accent1"/>
+          </a:lnRef>
+          <a:fillRef idx="0">
+            <a:schemeClr val="accent1"/>
+          </a:fillRef>
+          <a:effectRef idx="1">
+            <a:schemeClr val="accent1"/>
+          </a:effectRef>
+          <a:fontRef idx="minor">
+            <a:schemeClr val="tx1"/>
+          </a:fontRef>
+        </p:style>
+      </p:cxnSp>
+      <p:cxnSp>
+        <p:nvCxnSpPr>
+          <p:cNvPr id="19" name="Straight Arrow Connector 18">
+            <a:extLst>
+              <a:ext uri="{FF2B5EF4-FFF2-40B4-BE49-F238E27FC236}">
+                <a16:creationId xmlns:a16="http://schemas.microsoft.com/office/drawing/2014/main" id="{6A081349-B71C-244B-B60B-D51E346627A8}"/>
+              </a:ext>
+            </a:extLst>
+          </p:cNvPr>
+          <p:cNvCxnSpPr/>
+          <p:nvPr/>
+        </p:nvCxnSpPr>
+        <p:spPr>
+          <a:xfrm flipV="1">
+            <a:off x="8057025" y="4312422"/>
+            <a:ext cx="370388" cy="1996"/>
+          </a:xfrm>
+          <a:prstGeom prst="straightConnector1">
+            <a:avLst/>
+          </a:prstGeom>
+          <a:ln w="38100">
+            <a:solidFill>
+              <a:schemeClr val="tx1"/>
+            </a:solidFill>
+            <a:headEnd type="triangle" w="med" len="med"/>
+            <a:tailEnd type="none" w="med" len="med"/>
+          </a:ln>
+        </p:spPr>
+        <p:style>
+          <a:lnRef idx="2">
+            <a:schemeClr val="accent1"/>
+          </a:lnRef>
+          <a:fillRef idx="0">
+            <a:schemeClr val="accent1"/>
+          </a:fillRef>
+          <a:effectRef idx="1">
+            <a:schemeClr val="accent1"/>
+          </a:effectRef>
+          <a:fontRef idx="minor">
+            <a:schemeClr val="tx1"/>
+          </a:fontRef>
+        </p:style>
+      </p:cxnSp>
+      <p:cxnSp>
+        <p:nvCxnSpPr>
+          <p:cNvPr id="20" name="Elbow Connector 19">
+            <a:extLst>
+              <a:ext uri="{FF2B5EF4-FFF2-40B4-BE49-F238E27FC236}">
+                <a16:creationId xmlns:a16="http://schemas.microsoft.com/office/drawing/2014/main" id="{36FFF10E-96C4-DF4E-9299-2272F618AB30}"/>
+              </a:ext>
+            </a:extLst>
+          </p:cNvPr>
+          <p:cNvCxnSpPr/>
+          <p:nvPr/>
+        </p:nvCxnSpPr>
+        <p:spPr>
+          <a:xfrm rot="16200000" flipH="1">
+            <a:off x="3689326" y="3778981"/>
+            <a:ext cx="200701" cy="1261789"/>
+          </a:xfrm>
+          <a:prstGeom prst="bentConnector2">
+            <a:avLst/>
+          </a:prstGeom>
+          <a:ln w="28575">
+            <a:solidFill>
+              <a:schemeClr val="tx1"/>
+            </a:solidFill>
+            <a:prstDash val="sysDot"/>
+            <a:tailEnd type="triangle"/>
+          </a:ln>
+        </p:spPr>
+        <p:style>
+          <a:lnRef idx="1">
+            <a:schemeClr val="accent1"/>
+          </a:lnRef>
+          <a:fillRef idx="0">
+            <a:schemeClr val="accent1"/>
+          </a:fillRef>
+          <a:effectRef idx="0">
+            <a:schemeClr val="accent1"/>
+          </a:effectRef>
+          <a:fontRef idx="minor">
+            <a:schemeClr val="tx1"/>
+          </a:fontRef>
+        </p:style>
+      </p:cxnSp>
+      <p:sp>
+        <p:nvSpPr>
+          <p:cNvPr id="21" name="TextBox 20">
+            <a:extLst>
+              <a:ext uri="{FF2B5EF4-FFF2-40B4-BE49-F238E27FC236}">
+                <a16:creationId xmlns:a16="http://schemas.microsoft.com/office/drawing/2014/main" id="{FB1832F9-D45F-8344-A59D-BEDD1D51FEED}"/>
+              </a:ext>
+            </a:extLst>
+          </p:cNvPr>
+          <p:cNvSpPr txBox="1"/>
+          <p:nvPr/>
+        </p:nvSpPr>
+        <p:spPr>
+          <a:xfrm>
+            <a:off x="3131102" y="4510224"/>
+            <a:ext cx="1030731" cy="338554"/>
+          </a:xfrm>
+          <a:prstGeom prst="rect">
+            <a:avLst/>
+          </a:prstGeom>
+          <a:noFill/>
+        </p:spPr>
+        <p:txBody>
+          <a:bodyPr wrap="none" rtlCol="0">
+            <a:spAutoFit/>
+          </a:bodyPr>
+          <a:lstStyle/>
+          <a:p>
+            <a:r>
+              <a:rPr lang="en-US" sz="1600">
+                <a:latin typeface="Times New Roman" panose="02020603050405020304" pitchFamily="18" charset="0"/>
+                <a:ea typeface="Times New Roman" charset="0"/>
+                <a:cs typeface="Times New Roman" panose="02020603050405020304" pitchFamily="18" charset="0"/>
+              </a:rPr>
+              <a:t>Validation</a:t>
+            </a:r>
+          </a:p>
+        </p:txBody>
+      </p:sp>
+      <p:pic>
+        <p:nvPicPr>
+          <p:cNvPr id="22" name="Picture 21">
+            <a:extLst>
+              <a:ext uri="{FF2B5EF4-FFF2-40B4-BE49-F238E27FC236}">
+                <a16:creationId xmlns:a16="http://schemas.microsoft.com/office/drawing/2014/main" id="{94E7652D-3695-2C47-A146-CDAF1C3FCE0F}"/>
+              </a:ext>
+            </a:extLst>
+          </p:cNvPr>
+          <p:cNvPicPr>
+            <a:picLocks noChangeAspect="1"/>
+          </p:cNvPicPr>
+          <p:nvPr/>
+        </p:nvPicPr>
+        <p:blipFill rotWithShape="1">
+          <a:blip r:embed="rId2"/>
+          <a:srcRect l="20636" t="6875" r="16838" b="10090"/>
+          <a:stretch/>
+        </p:blipFill>
+        <p:spPr>
+          <a:xfrm>
+            <a:off x="2231568" y="2517741"/>
+            <a:ext cx="772780" cy="769711"/>
+          </a:xfrm>
+          <a:prstGeom prst="rect">
+            <a:avLst/>
+          </a:prstGeom>
+        </p:spPr>
+      </p:pic>
+      <p:pic>
+        <p:nvPicPr>
+          <p:cNvPr id="24" name="Picture 23">
+            <a:extLst>
+              <a:ext uri="{FF2B5EF4-FFF2-40B4-BE49-F238E27FC236}">
+                <a16:creationId xmlns:a16="http://schemas.microsoft.com/office/drawing/2014/main" id="{8E336C03-BAC9-264C-ADE4-5818D64DFFFF}"/>
+              </a:ext>
+            </a:extLst>
+          </p:cNvPr>
+          <p:cNvPicPr>
+            <a:picLocks noChangeAspect="1"/>
+          </p:cNvPicPr>
+          <p:nvPr/>
+        </p:nvPicPr>
+        <p:blipFill rotWithShape="1">
+          <a:blip r:embed="rId3" cstate="print">
+            <a:extLst>
+              <a:ext uri="{28A0092B-C50C-407E-A947-70E740481C1C}">
+                <a14:useLocalDpi xmlns:a14="http://schemas.microsoft.com/office/drawing/2010/main" val="0"/>
+              </a:ext>
+            </a:extLst>
+          </a:blip>
+          <a:srcRect l="18435" t="11429" r="27279" b="16190"/>
+          <a:stretch/>
+        </p:blipFill>
+        <p:spPr>
+          <a:xfrm>
+            <a:off x="8563409" y="2686899"/>
+            <a:ext cx="788384" cy="840010"/>
+          </a:xfrm>
+          <a:prstGeom prst="rect">
+            <a:avLst/>
+          </a:prstGeom>
+        </p:spPr>
+      </p:pic>
+      <p:pic>
+        <p:nvPicPr>
+          <p:cNvPr id="25" name="Picture 24">
+            <a:extLst>
+              <a:ext uri="{FF2B5EF4-FFF2-40B4-BE49-F238E27FC236}">
+                <a16:creationId xmlns:a16="http://schemas.microsoft.com/office/drawing/2014/main" id="{850286DD-7FB9-C747-A800-2C076995623C}"/>
+              </a:ext>
+            </a:extLst>
+          </p:cNvPr>
+          <p:cNvPicPr>
+            <a:picLocks noChangeAspect="1"/>
+          </p:cNvPicPr>
+          <p:nvPr/>
+        </p:nvPicPr>
+        <p:blipFill rotWithShape="1">
+          <a:blip r:embed="rId4">
+            <a:clrChange>
+              <a:clrFrom>
+                <a:srgbClr val="FFFFFF"/>
+              </a:clrFrom>
+              <a:clrTo>
+                <a:srgbClr val="FFFFFF">
+                  <a:alpha val="0"/>
+                </a:srgbClr>
+              </a:clrTo>
+            </a:clrChange>
+            <a:extLst>
+              <a:ext uri="{28A0092B-C50C-407E-A947-70E740481C1C}">
+                <a14:useLocalDpi xmlns:a14="http://schemas.microsoft.com/office/drawing/2010/main" val="0"/>
+              </a:ext>
+            </a:extLst>
+          </a:blip>
+          <a:srcRect l="27528" t="23994" r="27177" b="21565"/>
+          <a:stretch/>
+        </p:blipFill>
+        <p:spPr>
+          <a:xfrm>
+            <a:off x="9121697" y="3503504"/>
+            <a:ext cx="1261669" cy="1287772"/>
+          </a:xfrm>
+          <a:prstGeom prst="rect">
+            <a:avLst/>
+          </a:prstGeom>
+        </p:spPr>
+      </p:pic>
+      <p:pic>
+        <p:nvPicPr>
+          <p:cNvPr id="26" name="Picture 25">
+            <a:extLst>
+              <a:ext uri="{FF2B5EF4-FFF2-40B4-BE49-F238E27FC236}">
+                <a16:creationId xmlns:a16="http://schemas.microsoft.com/office/drawing/2014/main" id="{F9A5F6F3-6074-FC4A-A819-3A34D3A19D08}"/>
+              </a:ext>
+            </a:extLst>
+          </p:cNvPr>
+          <p:cNvPicPr>
+            <a:picLocks noChangeAspect="1"/>
+          </p:cNvPicPr>
+          <p:nvPr/>
+        </p:nvPicPr>
+        <p:blipFill rotWithShape="1">
+          <a:blip r:embed="rId5" cstate="print">
+            <a:clrChange>
+              <a:clrFrom>
+                <a:srgbClr val="FFFFFF"/>
+              </a:clrFrom>
+              <a:clrTo>
+                <a:srgbClr val="FFFFFF">
+                  <a:alpha val="0"/>
+                </a:srgbClr>
+              </a:clrTo>
+            </a:clrChange>
+            <a:extLst>
+              <a:ext uri="{28A0092B-C50C-407E-A947-70E740481C1C}">
+                <a14:useLocalDpi xmlns:a14="http://schemas.microsoft.com/office/drawing/2010/main" val="0"/>
+              </a:ext>
+            </a:extLst>
+          </a:blip>
+          <a:srcRect r="26620" b="9345"/>
+          <a:stretch/>
+        </p:blipFill>
+        <p:spPr>
+          <a:xfrm>
+            <a:off x="2851358" y="3172900"/>
+            <a:ext cx="1217618" cy="1162381"/>
+          </a:xfrm>
+          <a:prstGeom prst="rect">
+            <a:avLst/>
+          </a:prstGeom>
+        </p:spPr>
+      </p:pic>
+    </p:spTree>
+    <p:extLst>
+      <p:ext uri="{BB962C8B-B14F-4D97-AF65-F5344CB8AC3E}">
+        <p14:creationId xmlns:p14="http://schemas.microsoft.com/office/powerpoint/2010/main" val="125473699"/>
+      </p:ext>
+    </p:extLst>
+  </p:cSld>
+  <p:clrMapOvr>
+    <a:masterClrMapping/>
+  </p:clrMapOvr>
+</p:sld>
+</file>
+
+<file path=ppt/slides/slide3.xml><?xml version="1.0" encoding="utf-8"?>
+<p:sld xmlns:a="http://schemas.openxmlformats.org/drawingml/2006/main" xmlns:r="http://schemas.openxmlformats.org/officeDocument/2006/relationships" xmlns:p="http://schemas.openxmlformats.org/presentationml/2006/main">
+  <p:cSld>
+    <p:spTree>
+      <p:nvGrpSpPr>
+        <p:cNvPr id="1" name=""/>
+        <p:cNvGrpSpPr/>
+        <p:nvPr/>
+      </p:nvGrpSpPr>
+      <p:grpSpPr>
+        <a:xfrm>
+          <a:off x="0" y="0"/>
+          <a:ext cx="0" cy="0"/>
+          <a:chOff x="0" y="0"/>
+          <a:chExt cx="0" cy="0"/>
+        </a:xfrm>
+      </p:grpSpPr>
+      <p:cxnSp>
+        <p:nvCxnSpPr>
+          <p:cNvPr id="5" name="Straight Arrow Connector 4">
+            <a:extLst>
+              <a:ext uri="{FF2B5EF4-FFF2-40B4-BE49-F238E27FC236}">
+                <a16:creationId xmlns:a16="http://schemas.microsoft.com/office/drawing/2014/main" id="{7777EFA1-001F-4648-8D09-7A7E14FD4649}"/>
+              </a:ext>
+            </a:extLst>
+          </p:cNvPr>
+          <p:cNvCxnSpPr/>
+          <p:nvPr/>
+        </p:nvCxnSpPr>
+        <p:spPr>
+          <a:xfrm>
+            <a:off x="2316134" y="5305580"/>
+            <a:ext cx="7910945" cy="0"/>
+          </a:xfrm>
+          <a:prstGeom prst="straightConnector1">
+            <a:avLst/>
+          </a:prstGeom>
+          <a:ln w="12700">
+            <a:tailEnd type="triangle"/>
+          </a:ln>
+          <a:effectLst/>
+        </p:spPr>
+        <p:style>
+          <a:lnRef idx="2">
+            <a:schemeClr val="dk1"/>
+          </a:lnRef>
+          <a:fillRef idx="0">
+            <a:schemeClr val="dk1"/>
+          </a:fillRef>
+          <a:effectRef idx="1">
+            <a:schemeClr val="dk1"/>
+          </a:effectRef>
+          <a:fontRef idx="minor">
+            <a:schemeClr val="tx1"/>
+          </a:fontRef>
+        </p:style>
+      </p:cxnSp>
+      <p:sp>
+        <p:nvSpPr>
+          <p:cNvPr id="6" name="Oval 5">
+            <a:extLst>
+              <a:ext uri="{FF2B5EF4-FFF2-40B4-BE49-F238E27FC236}">
+                <a16:creationId xmlns:a16="http://schemas.microsoft.com/office/drawing/2014/main" id="{12FC27B2-9B89-0540-BB32-4E33927115A6}"/>
+              </a:ext>
+            </a:extLst>
+          </p:cNvPr>
+          <p:cNvSpPr/>
+          <p:nvPr/>
+        </p:nvSpPr>
+        <p:spPr>
+          <a:xfrm>
+            <a:off x="2285138" y="5228090"/>
+            <a:ext cx="159327" cy="159327"/>
+          </a:xfrm>
+          <a:prstGeom prst="ellipse">
+            <a:avLst/>
+          </a:prstGeom>
+          <a:solidFill>
+            <a:schemeClr val="tx1"/>
+          </a:solidFill>
+          <a:ln w="28575">
+            <a:noFill/>
+          </a:ln>
+          <a:effectLst/>
+        </p:spPr>
+        <p:style>
+          <a:lnRef idx="1">
+            <a:schemeClr val="accent1"/>
+          </a:lnRef>
+          <a:fillRef idx="3">
+            <a:schemeClr val="accent1"/>
+          </a:fillRef>
+          <a:effectRef idx="2">
+            <a:schemeClr val="accent1"/>
+          </a:effectRef>
+          <a:fontRef idx="minor">
+            <a:schemeClr val="lt1"/>
+          </a:fontRef>
+        </p:style>
+        <p:txBody>
+          <a:bodyPr rtlCol="0" anchor="ctr"/>
+          <a:lstStyle/>
+          <a:p>
+            <a:pPr algn="ctr"/>
+            <a:endParaRPr lang="en-US"/>
+          </a:p>
+        </p:txBody>
+      </p:sp>
+      <p:sp>
+        <p:nvSpPr>
+          <p:cNvPr id="7" name="Oval 6">
+            <a:extLst>
+              <a:ext uri="{FF2B5EF4-FFF2-40B4-BE49-F238E27FC236}">
+                <a16:creationId xmlns:a16="http://schemas.microsoft.com/office/drawing/2014/main" id="{D0FD44A6-FB2F-6749-B7F5-921C5D14BF51}"/>
+              </a:ext>
+            </a:extLst>
+          </p:cNvPr>
+          <p:cNvSpPr/>
+          <p:nvPr/>
+        </p:nvSpPr>
+        <p:spPr>
+          <a:xfrm>
+            <a:off x="3788978" y="5228090"/>
+            <a:ext cx="159327" cy="159327"/>
+          </a:xfrm>
+          <a:prstGeom prst="ellipse">
+            <a:avLst/>
+          </a:prstGeom>
+          <a:solidFill>
+            <a:schemeClr val="tx1"/>
+          </a:solidFill>
+          <a:ln w="28575">
+            <a:noFill/>
+          </a:ln>
+          <a:effectLst/>
+        </p:spPr>
+        <p:style>
+          <a:lnRef idx="1">
+            <a:schemeClr val="accent1"/>
+          </a:lnRef>
+          <a:fillRef idx="3">
+            <a:schemeClr val="accent1"/>
+          </a:fillRef>
+          <a:effectRef idx="2">
+            <a:schemeClr val="accent1"/>
+          </a:effectRef>
+          <a:fontRef idx="minor">
+            <a:schemeClr val="lt1"/>
+          </a:fontRef>
+        </p:style>
+        <p:txBody>
+          <a:bodyPr rtlCol="0" anchor="ctr"/>
+          <a:lstStyle/>
+          <a:p>
+            <a:pPr algn="ctr"/>
+            <a:endParaRPr lang="en-US"/>
+          </a:p>
+        </p:txBody>
+      </p:sp>
+      <p:sp>
+        <p:nvSpPr>
+          <p:cNvPr id="8" name="Oval 7">
+            <a:extLst>
+              <a:ext uri="{FF2B5EF4-FFF2-40B4-BE49-F238E27FC236}">
+                <a16:creationId xmlns:a16="http://schemas.microsoft.com/office/drawing/2014/main" id="{7513A68D-4602-A246-A6E3-B2D3E3972AE4}"/>
+              </a:ext>
+            </a:extLst>
+          </p:cNvPr>
+          <p:cNvSpPr/>
+          <p:nvPr/>
+        </p:nvSpPr>
+        <p:spPr>
+          <a:xfrm>
+            <a:off x="5292818" y="5228090"/>
+            <a:ext cx="159327" cy="159327"/>
+          </a:xfrm>
+          <a:prstGeom prst="ellipse">
+            <a:avLst/>
+          </a:prstGeom>
+          <a:solidFill>
+            <a:schemeClr val="tx1"/>
+          </a:solidFill>
+          <a:ln w="28575">
+            <a:noFill/>
+          </a:ln>
+          <a:effectLst/>
+        </p:spPr>
+        <p:style>
+          <a:lnRef idx="1">
+            <a:schemeClr val="accent1"/>
+          </a:lnRef>
+          <a:fillRef idx="3">
+            <a:schemeClr val="accent1"/>
+          </a:fillRef>
+          <a:effectRef idx="2">
+            <a:schemeClr val="accent1"/>
+          </a:effectRef>
+          <a:fontRef idx="minor">
+            <a:schemeClr val="lt1"/>
+          </a:fontRef>
+        </p:style>
+        <p:txBody>
+          <a:bodyPr rtlCol="0" anchor="ctr"/>
+          <a:lstStyle/>
+          <a:p>
+            <a:pPr algn="ctr"/>
+            <a:endParaRPr lang="en-US"/>
+          </a:p>
+        </p:txBody>
+      </p:sp>
+      <p:sp>
+        <p:nvSpPr>
+          <p:cNvPr id="9" name="Oval 8">
+            <a:extLst>
+              <a:ext uri="{FF2B5EF4-FFF2-40B4-BE49-F238E27FC236}">
+                <a16:creationId xmlns:a16="http://schemas.microsoft.com/office/drawing/2014/main" id="{60BFF92D-FC62-DB47-9353-E551C1BEABEB}"/>
+              </a:ext>
+            </a:extLst>
+          </p:cNvPr>
+          <p:cNvSpPr/>
+          <p:nvPr/>
+        </p:nvSpPr>
+        <p:spPr>
+          <a:xfrm>
+            <a:off x="6796658" y="5228090"/>
+            <a:ext cx="159327" cy="159327"/>
+          </a:xfrm>
+          <a:prstGeom prst="ellipse">
+            <a:avLst/>
+          </a:prstGeom>
+          <a:solidFill>
+            <a:schemeClr val="tx1"/>
+          </a:solidFill>
+          <a:ln w="28575">
+            <a:noFill/>
+          </a:ln>
+          <a:effectLst/>
+        </p:spPr>
+        <p:style>
+          <a:lnRef idx="1">
+            <a:schemeClr val="accent1"/>
+          </a:lnRef>
+          <a:fillRef idx="3">
+            <a:schemeClr val="accent1"/>
+          </a:fillRef>
+          <a:effectRef idx="2">
+            <a:schemeClr val="accent1"/>
+          </a:effectRef>
+          <a:fontRef idx="minor">
+            <a:schemeClr val="lt1"/>
+          </a:fontRef>
+        </p:style>
+        <p:txBody>
+          <a:bodyPr rtlCol="0" anchor="ctr"/>
+          <a:lstStyle/>
+          <a:p>
+            <a:pPr algn="ctr"/>
+            <a:endParaRPr lang="en-US"/>
+          </a:p>
+        </p:txBody>
+      </p:sp>
+      <p:sp>
+        <p:nvSpPr>
+          <p:cNvPr id="10" name="Oval 9">
+            <a:extLst>
+              <a:ext uri="{FF2B5EF4-FFF2-40B4-BE49-F238E27FC236}">
+                <a16:creationId xmlns:a16="http://schemas.microsoft.com/office/drawing/2014/main" id="{BCE53DB6-C10B-8F4D-9B12-E296B5806FC1}"/>
+              </a:ext>
+            </a:extLst>
+          </p:cNvPr>
+          <p:cNvSpPr/>
+          <p:nvPr/>
+        </p:nvSpPr>
+        <p:spPr>
+          <a:xfrm>
+            <a:off x="8300498" y="5228090"/>
+            <a:ext cx="159327" cy="159327"/>
+          </a:xfrm>
+          <a:prstGeom prst="ellipse">
+            <a:avLst/>
+          </a:prstGeom>
+          <a:solidFill>
+            <a:schemeClr val="tx1"/>
+          </a:solidFill>
+          <a:ln w="28575">
+            <a:noFill/>
+          </a:ln>
+          <a:effectLst/>
+        </p:spPr>
+        <p:style>
+          <a:lnRef idx="1">
+            <a:schemeClr val="accent1"/>
+          </a:lnRef>
+          <a:fillRef idx="3">
+            <a:schemeClr val="accent1"/>
+          </a:fillRef>
+          <a:effectRef idx="2">
+            <a:schemeClr val="accent1"/>
+          </a:effectRef>
+          <a:fontRef idx="minor">
+            <a:schemeClr val="lt1"/>
+          </a:fontRef>
+        </p:style>
+        <p:txBody>
+          <a:bodyPr rtlCol="0" anchor="ctr"/>
+          <a:lstStyle/>
+          <a:p>
+            <a:pPr algn="ctr"/>
+            <a:endParaRPr lang="en-US"/>
+          </a:p>
+        </p:txBody>
+      </p:sp>
+      <p:sp>
+        <p:nvSpPr>
+          <p:cNvPr id="11" name="Oval 10">
+            <a:extLst>
+              <a:ext uri="{FF2B5EF4-FFF2-40B4-BE49-F238E27FC236}">
+                <a16:creationId xmlns:a16="http://schemas.microsoft.com/office/drawing/2014/main" id="{FD1C30CD-C32A-FC4B-B58F-4EBDDC716D84}"/>
+              </a:ext>
+            </a:extLst>
+          </p:cNvPr>
+          <p:cNvSpPr/>
+          <p:nvPr/>
+        </p:nvSpPr>
+        <p:spPr>
+          <a:xfrm>
+            <a:off x="9804338" y="5228090"/>
+            <a:ext cx="159327" cy="159327"/>
+          </a:xfrm>
+          <a:prstGeom prst="ellipse">
+            <a:avLst/>
+          </a:prstGeom>
+          <a:solidFill>
+            <a:schemeClr val="tx1"/>
+          </a:solidFill>
+          <a:ln w="28575">
+            <a:noFill/>
+          </a:ln>
+          <a:effectLst/>
+        </p:spPr>
+        <p:style>
+          <a:lnRef idx="1">
+            <a:schemeClr val="accent1"/>
+          </a:lnRef>
+          <a:fillRef idx="3">
+            <a:schemeClr val="accent1"/>
+          </a:fillRef>
+          <a:effectRef idx="2">
+            <a:schemeClr val="accent1"/>
+          </a:effectRef>
+          <a:fontRef idx="minor">
+            <a:schemeClr val="lt1"/>
+          </a:fontRef>
+        </p:style>
+        <p:txBody>
+          <a:bodyPr rtlCol="0" anchor="ctr"/>
+          <a:lstStyle/>
+          <a:p>
+            <a:pPr algn="ctr"/>
+            <a:endParaRPr lang="en-US"/>
+          </a:p>
+        </p:txBody>
+      </p:sp>
+      <p:cxnSp>
+        <p:nvCxnSpPr>
+          <p:cNvPr id="12" name="Straight Connector 11">
+            <a:extLst>
+              <a:ext uri="{FF2B5EF4-FFF2-40B4-BE49-F238E27FC236}">
+                <a16:creationId xmlns:a16="http://schemas.microsoft.com/office/drawing/2014/main" id="{D11151A7-52D1-0F4A-B3A5-4373B6A25095}"/>
+              </a:ext>
+            </a:extLst>
+          </p:cNvPr>
+          <p:cNvCxnSpPr>
+            <a:cxnSpLocks/>
+            <a:stCxn id="6" idx="7"/>
+          </p:cNvCxnSpPr>
+          <p:nvPr/>
+        </p:nvCxnSpPr>
+        <p:spPr>
+          <a:xfrm flipV="1">
+            <a:off x="2421132" y="4355915"/>
+            <a:ext cx="1447509" cy="895508"/>
+          </a:xfrm>
+          <a:prstGeom prst="line">
+            <a:avLst/>
+          </a:prstGeom>
+          <a:ln w="28575">
+            <a:solidFill>
+              <a:schemeClr val="accent1"/>
+            </a:solidFill>
+          </a:ln>
+        </p:spPr>
+        <p:style>
+          <a:lnRef idx="2">
+            <a:schemeClr val="accent1"/>
+          </a:lnRef>
+          <a:fillRef idx="0">
+            <a:schemeClr val="accent1"/>
+          </a:fillRef>
+          <a:effectRef idx="1">
+            <a:schemeClr val="accent1"/>
+          </a:effectRef>
+          <a:fontRef idx="minor">
+            <a:schemeClr val="tx1"/>
+          </a:fontRef>
+        </p:style>
+      </p:cxnSp>
+      <p:cxnSp>
+        <p:nvCxnSpPr>
+          <p:cNvPr id="13" name="Straight Connector 12">
+            <a:extLst>
+              <a:ext uri="{FF2B5EF4-FFF2-40B4-BE49-F238E27FC236}">
+                <a16:creationId xmlns:a16="http://schemas.microsoft.com/office/drawing/2014/main" id="{4E17B7BC-A58A-A347-8C2F-33DE44A175D4}"/>
+              </a:ext>
+            </a:extLst>
+          </p:cNvPr>
+          <p:cNvCxnSpPr>
+            <a:cxnSpLocks/>
+            <a:stCxn id="8" idx="1"/>
+          </p:cNvCxnSpPr>
+          <p:nvPr/>
+        </p:nvCxnSpPr>
+        <p:spPr>
+          <a:xfrm flipH="1" flipV="1">
+            <a:off x="3851142" y="4351019"/>
+            <a:ext cx="1465009" cy="900404"/>
+          </a:xfrm>
+          <a:prstGeom prst="line">
+            <a:avLst/>
+          </a:prstGeom>
+          <a:ln w="28575">
+            <a:solidFill>
+              <a:schemeClr val="accent1"/>
+            </a:solidFill>
+          </a:ln>
+        </p:spPr>
+        <p:style>
+          <a:lnRef idx="2">
+            <a:schemeClr val="accent1"/>
+          </a:lnRef>
+          <a:fillRef idx="0">
+            <a:schemeClr val="accent1"/>
+          </a:fillRef>
+          <a:effectRef idx="1">
+            <a:schemeClr val="accent1"/>
+          </a:effectRef>
+          <a:fontRef idx="minor">
+            <a:schemeClr val="tx1"/>
+          </a:fontRef>
+        </p:style>
+      </p:cxnSp>
+      <p:cxnSp>
+        <p:nvCxnSpPr>
+          <p:cNvPr id="14" name="Straight Connector 13">
+            <a:extLst>
+              <a:ext uri="{FF2B5EF4-FFF2-40B4-BE49-F238E27FC236}">
+                <a16:creationId xmlns:a16="http://schemas.microsoft.com/office/drawing/2014/main" id="{88428328-23F9-2249-9927-0D5B0491DBCC}"/>
+              </a:ext>
+            </a:extLst>
+          </p:cNvPr>
+          <p:cNvCxnSpPr>
+            <a:cxnSpLocks/>
+          </p:cNvCxnSpPr>
+          <p:nvPr/>
+        </p:nvCxnSpPr>
+        <p:spPr>
+          <a:xfrm flipV="1">
+            <a:off x="3924974" y="4355915"/>
+            <a:ext cx="1447509" cy="895508"/>
+          </a:xfrm>
+          <a:prstGeom prst="line">
+            <a:avLst/>
+          </a:prstGeom>
+          <a:ln w="28575">
+            <a:solidFill>
+              <a:schemeClr val="accent2"/>
+            </a:solidFill>
+          </a:ln>
+        </p:spPr>
+        <p:style>
+          <a:lnRef idx="2">
+            <a:schemeClr val="accent1"/>
+          </a:lnRef>
+          <a:fillRef idx="0">
+            <a:schemeClr val="accent1"/>
+          </a:fillRef>
+          <a:effectRef idx="1">
+            <a:schemeClr val="accent1"/>
+          </a:effectRef>
+          <a:fontRef idx="minor">
+            <a:schemeClr val="tx1"/>
+          </a:fontRef>
+        </p:style>
+      </p:cxnSp>
+      <p:cxnSp>
+        <p:nvCxnSpPr>
+          <p:cNvPr id="15" name="Straight Connector 14">
+            <a:extLst>
+              <a:ext uri="{FF2B5EF4-FFF2-40B4-BE49-F238E27FC236}">
+                <a16:creationId xmlns:a16="http://schemas.microsoft.com/office/drawing/2014/main" id="{7F0AFA11-E240-1F42-B4E4-1F2B9B26FA73}"/>
+              </a:ext>
+            </a:extLst>
+          </p:cNvPr>
+          <p:cNvCxnSpPr>
+            <a:cxnSpLocks/>
+          </p:cNvCxnSpPr>
+          <p:nvPr/>
+        </p:nvCxnSpPr>
+        <p:spPr>
+          <a:xfrm flipH="1" flipV="1">
+            <a:off x="5354984" y="4351019"/>
+            <a:ext cx="1465009" cy="900404"/>
+          </a:xfrm>
+          <a:prstGeom prst="line">
+            <a:avLst/>
+          </a:prstGeom>
+          <a:ln w="28575">
+            <a:solidFill>
+              <a:schemeClr val="accent2"/>
+            </a:solidFill>
+          </a:ln>
+        </p:spPr>
+        <p:style>
+          <a:lnRef idx="2">
+            <a:schemeClr val="accent1"/>
+          </a:lnRef>
+          <a:fillRef idx="0">
+            <a:schemeClr val="accent1"/>
+          </a:fillRef>
+          <a:effectRef idx="1">
+            <a:schemeClr val="accent1"/>
+          </a:effectRef>
+          <a:fontRef idx="minor">
+            <a:schemeClr val="tx1"/>
+          </a:fontRef>
+        </p:style>
+      </p:cxnSp>
+      <p:cxnSp>
+        <p:nvCxnSpPr>
+          <p:cNvPr id="16" name="Straight Connector 15">
+            <a:extLst>
+              <a:ext uri="{FF2B5EF4-FFF2-40B4-BE49-F238E27FC236}">
+                <a16:creationId xmlns:a16="http://schemas.microsoft.com/office/drawing/2014/main" id="{377EB2AC-5150-834D-8A9D-B6A3C12D1355}"/>
+              </a:ext>
+            </a:extLst>
+          </p:cNvPr>
+          <p:cNvCxnSpPr>
+            <a:cxnSpLocks/>
+          </p:cNvCxnSpPr>
+          <p:nvPr/>
+        </p:nvCxnSpPr>
+        <p:spPr>
+          <a:xfrm flipV="1">
+            <a:off x="5440480" y="4355915"/>
+            <a:ext cx="1447509" cy="895508"/>
+          </a:xfrm>
+          <a:prstGeom prst="line">
+            <a:avLst/>
+          </a:prstGeom>
+          <a:ln w="28575">
+            <a:solidFill>
+              <a:schemeClr val="accent3"/>
+            </a:solidFill>
+          </a:ln>
+        </p:spPr>
+        <p:style>
+          <a:lnRef idx="2">
+            <a:schemeClr val="accent1"/>
+          </a:lnRef>
+          <a:fillRef idx="0">
+            <a:schemeClr val="accent1"/>
+          </a:fillRef>
+          <a:effectRef idx="1">
+            <a:schemeClr val="accent1"/>
+          </a:effectRef>
+          <a:fontRef idx="minor">
+            <a:schemeClr val="tx1"/>
+          </a:fontRef>
+        </p:style>
+      </p:cxnSp>
+      <p:cxnSp>
+        <p:nvCxnSpPr>
+          <p:cNvPr id="17" name="Straight Connector 16">
+            <a:extLst>
+              <a:ext uri="{FF2B5EF4-FFF2-40B4-BE49-F238E27FC236}">
+                <a16:creationId xmlns:a16="http://schemas.microsoft.com/office/drawing/2014/main" id="{EE7E9C8C-053D-2A48-8E3B-DE9DFAE2B124}"/>
+              </a:ext>
+            </a:extLst>
+          </p:cNvPr>
+          <p:cNvCxnSpPr>
+            <a:cxnSpLocks/>
+          </p:cNvCxnSpPr>
+          <p:nvPr/>
+        </p:nvCxnSpPr>
+        <p:spPr>
+          <a:xfrm flipH="1" flipV="1">
+            <a:off x="6870490" y="4351019"/>
+            <a:ext cx="1465009" cy="900404"/>
+          </a:xfrm>
+          <a:prstGeom prst="line">
+            <a:avLst/>
+          </a:prstGeom>
+          <a:ln w="28575">
+            <a:solidFill>
+              <a:schemeClr val="accent3"/>
+            </a:solidFill>
+          </a:ln>
+        </p:spPr>
+        <p:style>
+          <a:lnRef idx="2">
+            <a:schemeClr val="accent1"/>
+          </a:lnRef>
+          <a:fillRef idx="0">
+            <a:schemeClr val="accent1"/>
+          </a:fillRef>
+          <a:effectRef idx="1">
+            <a:schemeClr val="accent1"/>
+          </a:effectRef>
+          <a:fontRef idx="minor">
+            <a:schemeClr val="tx1"/>
+          </a:fontRef>
+        </p:style>
+      </p:cxnSp>
+      <p:cxnSp>
+        <p:nvCxnSpPr>
+          <p:cNvPr id="18" name="Straight Connector 17">
+            <a:extLst>
+              <a:ext uri="{FF2B5EF4-FFF2-40B4-BE49-F238E27FC236}">
+                <a16:creationId xmlns:a16="http://schemas.microsoft.com/office/drawing/2014/main" id="{7293B75E-BD27-F741-9786-CA2134A5D2DB}"/>
+              </a:ext>
+            </a:extLst>
+          </p:cNvPr>
+          <p:cNvCxnSpPr>
+            <a:cxnSpLocks/>
+          </p:cNvCxnSpPr>
+          <p:nvPr/>
+        </p:nvCxnSpPr>
+        <p:spPr>
+          <a:xfrm flipV="1">
+            <a:off x="6935163" y="4355915"/>
+            <a:ext cx="1447509" cy="895508"/>
+          </a:xfrm>
+          <a:prstGeom prst="line">
+            <a:avLst/>
+          </a:prstGeom>
+          <a:ln w="28575">
+            <a:solidFill>
+              <a:schemeClr val="accent4"/>
+            </a:solidFill>
+          </a:ln>
+        </p:spPr>
+        <p:style>
+          <a:lnRef idx="2">
+            <a:schemeClr val="accent1"/>
+          </a:lnRef>
+          <a:fillRef idx="0">
+            <a:schemeClr val="accent1"/>
+          </a:fillRef>
+          <a:effectRef idx="1">
+            <a:schemeClr val="accent1"/>
+          </a:effectRef>
+          <a:fontRef idx="minor">
+            <a:schemeClr val="tx1"/>
+          </a:fontRef>
+        </p:style>
+      </p:cxnSp>
+      <p:cxnSp>
+        <p:nvCxnSpPr>
+          <p:cNvPr id="19" name="Straight Connector 18">
+            <a:extLst>
+              <a:ext uri="{FF2B5EF4-FFF2-40B4-BE49-F238E27FC236}">
+                <a16:creationId xmlns:a16="http://schemas.microsoft.com/office/drawing/2014/main" id="{12523D63-E07A-7B41-8FCC-0D09FCAB2B1E}"/>
+              </a:ext>
+            </a:extLst>
+          </p:cNvPr>
+          <p:cNvCxnSpPr>
+            <a:cxnSpLocks/>
+          </p:cNvCxnSpPr>
+          <p:nvPr/>
+        </p:nvCxnSpPr>
+        <p:spPr>
+          <a:xfrm flipH="1" flipV="1">
+            <a:off x="8365173" y="4351019"/>
+            <a:ext cx="1465009" cy="900404"/>
+          </a:xfrm>
+          <a:prstGeom prst="line">
+            <a:avLst/>
+          </a:prstGeom>
+          <a:ln w="28575">
+            <a:solidFill>
+              <a:schemeClr val="accent4"/>
+            </a:solidFill>
+          </a:ln>
+        </p:spPr>
+        <p:style>
+          <a:lnRef idx="2">
+            <a:schemeClr val="accent1"/>
+          </a:lnRef>
+          <a:fillRef idx="0">
+            <a:schemeClr val="accent1"/>
+          </a:fillRef>
+          <a:effectRef idx="1">
+            <a:schemeClr val="accent1"/>
+          </a:effectRef>
+          <a:fontRef idx="minor">
+            <a:schemeClr val="tx1"/>
+          </a:fontRef>
+        </p:style>
+      </p:cxnSp>
+      <p:cxnSp>
+        <p:nvCxnSpPr>
+          <p:cNvPr id="20" name="Straight Connector 19">
+            <a:extLst>
+              <a:ext uri="{FF2B5EF4-FFF2-40B4-BE49-F238E27FC236}">
+                <a16:creationId xmlns:a16="http://schemas.microsoft.com/office/drawing/2014/main" id="{B5B70A00-A2FF-E34B-893F-92CF49EC01F3}"/>
+              </a:ext>
+            </a:extLst>
+          </p:cNvPr>
+          <p:cNvCxnSpPr>
+            <a:cxnSpLocks/>
+          </p:cNvCxnSpPr>
+          <p:nvPr/>
+        </p:nvCxnSpPr>
+        <p:spPr>
+          <a:xfrm flipH="1" flipV="1">
+            <a:off x="2337386" y="4360644"/>
+            <a:ext cx="1465009" cy="900404"/>
+          </a:xfrm>
+          <a:prstGeom prst="line">
+            <a:avLst/>
+          </a:prstGeom>
+          <a:ln w="28575">
+            <a:solidFill>
+              <a:schemeClr val="tx2"/>
+            </a:solidFill>
+          </a:ln>
+        </p:spPr>
+        <p:style>
+          <a:lnRef idx="2">
+            <a:schemeClr val="accent1"/>
+          </a:lnRef>
+          <a:fillRef idx="0">
+            <a:schemeClr val="accent1"/>
+          </a:fillRef>
+          <a:effectRef idx="1">
+            <a:schemeClr val="accent1"/>
+          </a:effectRef>
+          <a:fontRef idx="minor">
+            <a:schemeClr val="tx1"/>
+          </a:fontRef>
+        </p:style>
+      </p:cxnSp>
+      <p:cxnSp>
+        <p:nvCxnSpPr>
+          <p:cNvPr id="21" name="Straight Connector 20">
+            <a:extLst>
+              <a:ext uri="{FF2B5EF4-FFF2-40B4-BE49-F238E27FC236}">
+                <a16:creationId xmlns:a16="http://schemas.microsoft.com/office/drawing/2014/main" id="{C775B581-258C-B743-B993-BBE5734D3AC2}"/>
+              </a:ext>
+            </a:extLst>
+          </p:cNvPr>
+          <p:cNvCxnSpPr>
+            <a:cxnSpLocks/>
+          </p:cNvCxnSpPr>
+          <p:nvPr/>
+        </p:nvCxnSpPr>
+        <p:spPr>
+          <a:xfrm flipV="1">
+            <a:off x="8429846" y="4360644"/>
+            <a:ext cx="1447509" cy="895508"/>
+          </a:xfrm>
+          <a:prstGeom prst="line">
+            <a:avLst/>
+          </a:prstGeom>
+          <a:ln w="28575">
+            <a:solidFill>
+              <a:schemeClr val="accent5"/>
+            </a:solidFill>
+          </a:ln>
+        </p:spPr>
+        <p:style>
+          <a:lnRef idx="2">
+            <a:schemeClr val="accent1"/>
+          </a:lnRef>
+          <a:fillRef idx="0">
+            <a:schemeClr val="accent1"/>
+          </a:fillRef>
+          <a:effectRef idx="1">
+            <a:schemeClr val="accent1"/>
+          </a:effectRef>
+          <a:fontRef idx="minor">
+            <a:schemeClr val="tx1"/>
+          </a:fontRef>
+        </p:style>
+      </p:cxnSp>
+      <mc:AlternateContent xmlns:mc="http://schemas.openxmlformats.org/markup-compatibility/2006">
+        <mc:Choice xmlns:a14="http://schemas.microsoft.com/office/drawing/2010/main" Requires="a14">
+          <p:sp>
+            <p:nvSpPr>
+              <p:cNvPr id="23" name="TextBox 22">
+                <a:extLst>
+                  <a:ext uri="{FF2B5EF4-FFF2-40B4-BE49-F238E27FC236}">
+                    <a16:creationId xmlns:a16="http://schemas.microsoft.com/office/drawing/2014/main" id="{DC8F8057-8CAE-E543-9E32-C0260D1AFE7B}"/>
+                  </a:ext>
+                </a:extLst>
+              </p:cNvPr>
+              <p:cNvSpPr txBox="1"/>
+              <p:nvPr/>
+            </p:nvSpPr>
+            <p:spPr>
+              <a:xfrm>
+                <a:off x="1797206" y="1139100"/>
+                <a:ext cx="1000402" cy="323165"/>
+              </a:xfrm>
+              <a:prstGeom prst="rect">
+                <a:avLst/>
+              </a:prstGeom>
+              <a:noFill/>
+            </p:spPr>
+            <p:txBody>
+              <a:bodyPr wrap="none" rtlCol="0">
+                <a:spAutoFit/>
+              </a:bodyPr>
+              <a:lstStyle/>
+              <a:p>
+                <a:pPr/>
+                <a14:m>
+                  <m:oMathPara xmlns:m="http://schemas.openxmlformats.org/officeDocument/2006/math">
+                    <m:oMathParaPr>
+                      <m:jc m:val="centerGroup"/>
+                    </m:oMathParaPr>
+                    <m:oMath xmlns:m="http://schemas.openxmlformats.org/officeDocument/2006/math">
+                      <m:sSub>
+                        <m:sSubPr>
+                          <m:ctrlPr>
+                            <a:rPr lang="en-US" sz="1500" b="0" i="1" smtClean="0">
+                              <a:latin typeface="Cambria Math" panose="02040503050406030204" pitchFamily="18" charset="0"/>
+                            </a:rPr>
+                          </m:ctrlPr>
+                        </m:sSubPr>
+                        <m:e>
+                          <m:r>
+                            <a:rPr lang="en-US" sz="1500" b="0" i="1" smtClean="0">
+                              <a:latin typeface="Cambria Math" panose="02040503050406030204" pitchFamily="18" charset="0"/>
+                            </a:rPr>
+                            <m:t>𝑣𝑓</m:t>
+                          </m:r>
+                        </m:e>
+                        <m:sub>
+                          <m:r>
+                            <a:rPr lang="en-US" sz="1500" b="0" i="1" smtClean="0">
+                              <a:latin typeface="Cambria Math" panose="02040503050406030204" pitchFamily="18" charset="0"/>
+                            </a:rPr>
+                            <m:t>2</m:t>
+                          </m:r>
+                        </m:sub>
+                      </m:sSub>
+                      <m:r>
+                        <a:rPr lang="en-US" sz="1500" b="0" i="1" smtClean="0">
+                          <a:latin typeface="Cambria Math" panose="02040503050406030204" pitchFamily="18" charset="0"/>
+                        </a:rPr>
+                        <m:t>=0.1</m:t>
+                      </m:r>
+                    </m:oMath>
+                  </m:oMathPara>
+                </a14:m>
+                <a:endParaRPr lang="en-US" sz="1500" dirty="0"/>
+              </a:p>
+            </p:txBody>
+          </p:sp>
+        </mc:Choice>
+        <mc:Fallback>
+          <p:sp>
+            <p:nvSpPr>
+              <p:cNvPr id="23" name="TextBox 22">
+                <a:extLst>
+                  <a:ext uri="{FF2B5EF4-FFF2-40B4-BE49-F238E27FC236}">
+                    <a16:creationId xmlns:a16="http://schemas.microsoft.com/office/drawing/2014/main" id="{DC8F8057-8CAE-E543-9E32-C0260D1AFE7B}"/>
+                  </a:ext>
+                </a:extLst>
+              </p:cNvPr>
+              <p:cNvSpPr txBox="1">
+                <a:spLocks noRot="1" noChangeAspect="1" noMove="1" noResize="1" noEditPoints="1" noAdjustHandles="1" noChangeArrowheads="1" noChangeShapeType="1" noTextEdit="1"/>
+              </p:cNvSpPr>
+              <p:nvPr/>
+            </p:nvSpPr>
+            <p:spPr>
+              <a:xfrm>
+                <a:off x="1797206" y="1139100"/>
+                <a:ext cx="1000402" cy="323165"/>
+              </a:xfrm>
+              <a:prstGeom prst="rect">
+                <a:avLst/>
+              </a:prstGeom>
+              <a:blipFill>
+                <a:blip r:embed="rId2"/>
+                <a:stretch>
+                  <a:fillRect b="-7692"/>
+                </a:stretch>
+              </a:blipFill>
+            </p:spPr>
+            <p:txBody>
+              <a:bodyPr/>
+              <a:lstStyle/>
+              <a:p>
+                <a:r>
+                  <a:rPr lang="en-US">
+                    <a:noFill/>
+                  </a:rPr>
+                  <a:t> </a:t>
+                </a:r>
+              </a:p>
+            </p:txBody>
+          </p:sp>
+        </mc:Fallback>
+      </mc:AlternateContent>
+      <mc:AlternateContent xmlns:mc="http://schemas.openxmlformats.org/markup-compatibility/2006">
+        <mc:Choice xmlns:a14="http://schemas.microsoft.com/office/drawing/2010/main" Requires="a14">
+          <p:sp>
+            <p:nvSpPr>
+              <p:cNvPr id="24" name="TextBox 23">
+                <a:extLst>
+                  <a:ext uri="{FF2B5EF4-FFF2-40B4-BE49-F238E27FC236}">
+                    <a16:creationId xmlns:a16="http://schemas.microsoft.com/office/drawing/2014/main" id="{6CEB54D7-94B4-104E-A380-AD808650495A}"/>
+                  </a:ext>
+                </a:extLst>
+              </p:cNvPr>
+              <p:cNvSpPr txBox="1"/>
+              <p:nvPr/>
+            </p:nvSpPr>
+            <p:spPr>
+              <a:xfrm>
+                <a:off x="3317372" y="1139100"/>
+                <a:ext cx="1000402" cy="323165"/>
+              </a:xfrm>
+              <a:prstGeom prst="rect">
+                <a:avLst/>
+              </a:prstGeom>
+              <a:noFill/>
+            </p:spPr>
+            <p:txBody>
+              <a:bodyPr wrap="none" rtlCol="0">
+                <a:spAutoFit/>
+              </a:bodyPr>
+              <a:lstStyle/>
+              <a:p>
+                <a:pPr/>
+                <a14:m>
+                  <m:oMathPara xmlns:m="http://schemas.openxmlformats.org/officeDocument/2006/math">
+                    <m:oMathParaPr>
+                      <m:jc m:val="centerGroup"/>
+                    </m:oMathParaPr>
+                    <m:oMath xmlns:m="http://schemas.openxmlformats.org/officeDocument/2006/math">
+                      <m:sSub>
+                        <m:sSubPr>
+                          <m:ctrlPr>
+                            <a:rPr lang="en-US" sz="1500" b="0" i="1" smtClean="0">
+                              <a:latin typeface="Cambria Math" panose="02040503050406030204" pitchFamily="18" charset="0"/>
+                            </a:rPr>
+                          </m:ctrlPr>
+                        </m:sSubPr>
+                        <m:e>
+                          <m:r>
+                            <a:rPr lang="en-US" sz="1500" b="0" i="1" smtClean="0">
+                              <a:latin typeface="Cambria Math" panose="02040503050406030204" pitchFamily="18" charset="0"/>
+                            </a:rPr>
+                            <m:t>𝑣𝑓</m:t>
+                          </m:r>
+                        </m:e>
+                        <m:sub>
+                          <m:r>
+                            <a:rPr lang="en-US" sz="1500" b="0" i="1" smtClean="0">
+                              <a:latin typeface="Cambria Math" panose="02040503050406030204" pitchFamily="18" charset="0"/>
+                            </a:rPr>
+                            <m:t>2</m:t>
+                          </m:r>
+                        </m:sub>
+                      </m:sSub>
+                      <m:r>
+                        <a:rPr lang="en-US" sz="1500" b="0" i="1" smtClean="0">
+                          <a:latin typeface="Cambria Math" panose="02040503050406030204" pitchFamily="18" charset="0"/>
+                        </a:rPr>
+                        <m:t>=0.2</m:t>
+                      </m:r>
+                    </m:oMath>
+                  </m:oMathPara>
+                </a14:m>
+                <a:endParaRPr lang="en-US" sz="1500" dirty="0"/>
+              </a:p>
+            </p:txBody>
+          </p:sp>
+        </mc:Choice>
+        <mc:Fallback>
+          <p:sp>
+            <p:nvSpPr>
+              <p:cNvPr id="24" name="TextBox 23">
+                <a:extLst>
+                  <a:ext uri="{FF2B5EF4-FFF2-40B4-BE49-F238E27FC236}">
+                    <a16:creationId xmlns:a16="http://schemas.microsoft.com/office/drawing/2014/main" id="{6CEB54D7-94B4-104E-A380-AD808650495A}"/>
+                  </a:ext>
+                </a:extLst>
+              </p:cNvPr>
+              <p:cNvSpPr txBox="1">
+                <a:spLocks noRot="1" noChangeAspect="1" noMove="1" noResize="1" noEditPoints="1" noAdjustHandles="1" noChangeArrowheads="1" noChangeShapeType="1" noTextEdit="1"/>
+              </p:cNvSpPr>
+              <p:nvPr/>
+            </p:nvSpPr>
+            <p:spPr>
+              <a:xfrm>
+                <a:off x="3317372" y="1139100"/>
+                <a:ext cx="1000402" cy="323165"/>
+              </a:xfrm>
+              <a:prstGeom prst="rect">
+                <a:avLst/>
+              </a:prstGeom>
+              <a:blipFill>
+                <a:blip r:embed="rId3"/>
+                <a:stretch>
+                  <a:fillRect b="-7692"/>
+                </a:stretch>
+              </a:blipFill>
+            </p:spPr>
+            <p:txBody>
+              <a:bodyPr/>
+              <a:lstStyle/>
+              <a:p>
+                <a:r>
+                  <a:rPr lang="en-US">
+                    <a:noFill/>
+                  </a:rPr>
+                  <a:t> </a:t>
+                </a:r>
+              </a:p>
+            </p:txBody>
+          </p:sp>
+        </mc:Fallback>
+      </mc:AlternateContent>
+      <mc:AlternateContent xmlns:mc="http://schemas.openxmlformats.org/markup-compatibility/2006">
+        <mc:Choice xmlns:a14="http://schemas.microsoft.com/office/drawing/2010/main" Requires="a14">
+          <p:sp>
+            <p:nvSpPr>
+              <p:cNvPr id="25" name="TextBox 24">
+                <a:extLst>
+                  <a:ext uri="{FF2B5EF4-FFF2-40B4-BE49-F238E27FC236}">
+                    <a16:creationId xmlns:a16="http://schemas.microsoft.com/office/drawing/2014/main" id="{F8273143-3DA5-3943-9B1C-15FD4B28B088}"/>
+                  </a:ext>
+                </a:extLst>
+              </p:cNvPr>
+              <p:cNvSpPr txBox="1"/>
+              <p:nvPr/>
+            </p:nvSpPr>
+            <p:spPr>
+              <a:xfrm>
+                <a:off x="4837538" y="1139100"/>
+                <a:ext cx="1000402" cy="323165"/>
+              </a:xfrm>
+              <a:prstGeom prst="rect">
+                <a:avLst/>
+              </a:prstGeom>
+              <a:noFill/>
+            </p:spPr>
+            <p:txBody>
+              <a:bodyPr wrap="none" rtlCol="0">
+                <a:spAutoFit/>
+              </a:bodyPr>
+              <a:lstStyle/>
+              <a:p>
+                <a:pPr/>
+                <a14:m>
+                  <m:oMathPara xmlns:m="http://schemas.openxmlformats.org/officeDocument/2006/math">
+                    <m:oMathParaPr>
+                      <m:jc m:val="centerGroup"/>
+                    </m:oMathParaPr>
+                    <m:oMath xmlns:m="http://schemas.openxmlformats.org/officeDocument/2006/math">
+                      <m:sSub>
+                        <m:sSubPr>
+                          <m:ctrlPr>
+                            <a:rPr lang="en-US" sz="1500" b="0" i="1" smtClean="0">
+                              <a:latin typeface="Cambria Math" panose="02040503050406030204" pitchFamily="18" charset="0"/>
+                            </a:rPr>
+                          </m:ctrlPr>
+                        </m:sSubPr>
+                        <m:e>
+                          <m:r>
+                            <a:rPr lang="en-US" sz="1500" b="0" i="1" smtClean="0">
+                              <a:latin typeface="Cambria Math" panose="02040503050406030204" pitchFamily="18" charset="0"/>
+                            </a:rPr>
+                            <m:t>𝑣𝑓</m:t>
+                          </m:r>
+                        </m:e>
+                        <m:sub>
+                          <m:r>
+                            <a:rPr lang="en-US" sz="1500" b="0" i="1" smtClean="0">
+                              <a:latin typeface="Cambria Math" panose="02040503050406030204" pitchFamily="18" charset="0"/>
+                            </a:rPr>
+                            <m:t>2</m:t>
+                          </m:r>
+                        </m:sub>
+                      </m:sSub>
+                      <m:r>
+                        <a:rPr lang="en-US" sz="1500" b="0" i="1" smtClean="0">
+                          <a:latin typeface="Cambria Math" panose="02040503050406030204" pitchFamily="18" charset="0"/>
+                        </a:rPr>
+                        <m:t>=0.3</m:t>
+                      </m:r>
+                    </m:oMath>
+                  </m:oMathPara>
+                </a14:m>
+                <a:endParaRPr lang="en-US" sz="1500" dirty="0"/>
+              </a:p>
+            </p:txBody>
+          </p:sp>
+        </mc:Choice>
+        <mc:Fallback>
+          <p:sp>
+            <p:nvSpPr>
+              <p:cNvPr id="25" name="TextBox 24">
+                <a:extLst>
+                  <a:ext uri="{FF2B5EF4-FFF2-40B4-BE49-F238E27FC236}">
+                    <a16:creationId xmlns:a16="http://schemas.microsoft.com/office/drawing/2014/main" id="{F8273143-3DA5-3943-9B1C-15FD4B28B088}"/>
+                  </a:ext>
+                </a:extLst>
+              </p:cNvPr>
+              <p:cNvSpPr txBox="1">
+                <a:spLocks noRot="1" noChangeAspect="1" noMove="1" noResize="1" noEditPoints="1" noAdjustHandles="1" noChangeArrowheads="1" noChangeShapeType="1" noTextEdit="1"/>
+              </p:cNvSpPr>
+              <p:nvPr/>
+            </p:nvSpPr>
+            <p:spPr>
+              <a:xfrm>
+                <a:off x="4837538" y="1139100"/>
+                <a:ext cx="1000402" cy="323165"/>
+              </a:xfrm>
+              <a:prstGeom prst="rect">
+                <a:avLst/>
+              </a:prstGeom>
+              <a:blipFill>
+                <a:blip r:embed="rId4"/>
+                <a:stretch>
+                  <a:fillRect b="-7692"/>
+                </a:stretch>
+              </a:blipFill>
+            </p:spPr>
+            <p:txBody>
+              <a:bodyPr/>
+              <a:lstStyle/>
+              <a:p>
+                <a:r>
+                  <a:rPr lang="en-US">
+                    <a:noFill/>
+                  </a:rPr>
+                  <a:t> </a:t>
+                </a:r>
+              </a:p>
+            </p:txBody>
+          </p:sp>
+        </mc:Fallback>
+      </mc:AlternateContent>
+      <mc:AlternateContent xmlns:mc="http://schemas.openxmlformats.org/markup-compatibility/2006">
+        <mc:Choice xmlns:a14="http://schemas.microsoft.com/office/drawing/2010/main" Requires="a14">
+          <p:sp>
+            <p:nvSpPr>
+              <p:cNvPr id="26" name="TextBox 25">
+                <a:extLst>
+                  <a:ext uri="{FF2B5EF4-FFF2-40B4-BE49-F238E27FC236}">
+                    <a16:creationId xmlns:a16="http://schemas.microsoft.com/office/drawing/2014/main" id="{99528DB1-C60F-3548-8E85-7BD97A6E28F9}"/>
+                  </a:ext>
+                </a:extLst>
+              </p:cNvPr>
+              <p:cNvSpPr txBox="1"/>
+              <p:nvPr/>
+            </p:nvSpPr>
+            <p:spPr>
+              <a:xfrm>
+                <a:off x="6357704" y="1139100"/>
+                <a:ext cx="1000402" cy="323165"/>
+              </a:xfrm>
+              <a:prstGeom prst="rect">
+                <a:avLst/>
+              </a:prstGeom>
+              <a:noFill/>
+            </p:spPr>
+            <p:txBody>
+              <a:bodyPr wrap="none" rtlCol="0">
+                <a:spAutoFit/>
+              </a:bodyPr>
+              <a:lstStyle/>
+              <a:p>
+                <a:pPr/>
+                <a14:m>
+                  <m:oMathPara xmlns:m="http://schemas.openxmlformats.org/officeDocument/2006/math">
+                    <m:oMathParaPr>
+                      <m:jc m:val="centerGroup"/>
+                    </m:oMathParaPr>
+                    <m:oMath xmlns:m="http://schemas.openxmlformats.org/officeDocument/2006/math">
+                      <m:sSub>
+                        <m:sSubPr>
+                          <m:ctrlPr>
+                            <a:rPr lang="en-US" sz="1500" b="0" i="1" smtClean="0">
+                              <a:latin typeface="Cambria Math" panose="02040503050406030204" pitchFamily="18" charset="0"/>
+                            </a:rPr>
+                          </m:ctrlPr>
+                        </m:sSubPr>
+                        <m:e>
+                          <m:r>
+                            <a:rPr lang="en-US" sz="1500" b="0" i="1" smtClean="0">
+                              <a:latin typeface="Cambria Math" panose="02040503050406030204" pitchFamily="18" charset="0"/>
+                            </a:rPr>
+                            <m:t>𝑣𝑓</m:t>
+                          </m:r>
+                        </m:e>
+                        <m:sub>
+                          <m:r>
+                            <a:rPr lang="en-US" sz="1500" b="0" i="1" smtClean="0">
+                              <a:latin typeface="Cambria Math" panose="02040503050406030204" pitchFamily="18" charset="0"/>
+                            </a:rPr>
+                            <m:t>2</m:t>
+                          </m:r>
+                        </m:sub>
+                      </m:sSub>
+                      <m:r>
+                        <a:rPr lang="en-US" sz="1500" b="0" i="1" smtClean="0">
+                          <a:latin typeface="Cambria Math" panose="02040503050406030204" pitchFamily="18" charset="0"/>
+                        </a:rPr>
+                        <m:t>=0.4</m:t>
+                      </m:r>
+                    </m:oMath>
+                  </m:oMathPara>
+                </a14:m>
+                <a:endParaRPr lang="en-US" sz="1500" dirty="0"/>
+              </a:p>
+            </p:txBody>
+          </p:sp>
+        </mc:Choice>
+        <mc:Fallback>
+          <p:sp>
+            <p:nvSpPr>
+              <p:cNvPr id="26" name="TextBox 25">
+                <a:extLst>
+                  <a:ext uri="{FF2B5EF4-FFF2-40B4-BE49-F238E27FC236}">
+                    <a16:creationId xmlns:a16="http://schemas.microsoft.com/office/drawing/2014/main" id="{99528DB1-C60F-3548-8E85-7BD97A6E28F9}"/>
+                  </a:ext>
+                </a:extLst>
+              </p:cNvPr>
+              <p:cNvSpPr txBox="1">
+                <a:spLocks noRot="1" noChangeAspect="1" noMove="1" noResize="1" noEditPoints="1" noAdjustHandles="1" noChangeArrowheads="1" noChangeShapeType="1" noTextEdit="1"/>
+              </p:cNvSpPr>
+              <p:nvPr/>
+            </p:nvSpPr>
+            <p:spPr>
+              <a:xfrm>
+                <a:off x="6357704" y="1139100"/>
+                <a:ext cx="1000402" cy="323165"/>
+              </a:xfrm>
+              <a:prstGeom prst="rect">
+                <a:avLst/>
+              </a:prstGeom>
+              <a:blipFill>
+                <a:blip r:embed="rId5"/>
+                <a:stretch>
+                  <a:fillRect b="-7692"/>
+                </a:stretch>
+              </a:blipFill>
+            </p:spPr>
+            <p:txBody>
+              <a:bodyPr/>
+              <a:lstStyle/>
+              <a:p>
+                <a:r>
+                  <a:rPr lang="en-US">
+                    <a:noFill/>
+                  </a:rPr>
+                  <a:t> </a:t>
+                </a:r>
+              </a:p>
+            </p:txBody>
+          </p:sp>
+        </mc:Fallback>
+      </mc:AlternateContent>
+      <mc:AlternateContent xmlns:mc="http://schemas.openxmlformats.org/markup-compatibility/2006">
+        <mc:Choice xmlns:a14="http://schemas.microsoft.com/office/drawing/2010/main" Requires="a14">
+          <p:sp>
+            <p:nvSpPr>
+              <p:cNvPr id="27" name="TextBox 26">
+                <a:extLst>
+                  <a:ext uri="{FF2B5EF4-FFF2-40B4-BE49-F238E27FC236}">
+                    <a16:creationId xmlns:a16="http://schemas.microsoft.com/office/drawing/2014/main" id="{1A0E3E42-16F3-F341-98D7-17B6B4E03F0D}"/>
+                  </a:ext>
+                </a:extLst>
+              </p:cNvPr>
+              <p:cNvSpPr txBox="1"/>
+              <p:nvPr/>
+            </p:nvSpPr>
+            <p:spPr>
+              <a:xfrm>
+                <a:off x="7877870" y="1139100"/>
+                <a:ext cx="1000402" cy="323165"/>
+              </a:xfrm>
+              <a:prstGeom prst="rect">
+                <a:avLst/>
+              </a:prstGeom>
+              <a:noFill/>
+            </p:spPr>
+            <p:txBody>
+              <a:bodyPr wrap="none" rtlCol="0">
+                <a:spAutoFit/>
+              </a:bodyPr>
+              <a:lstStyle/>
+              <a:p>
+                <a:pPr/>
+                <a14:m>
+                  <m:oMathPara xmlns:m="http://schemas.openxmlformats.org/officeDocument/2006/math">
+                    <m:oMathParaPr>
+                      <m:jc m:val="centerGroup"/>
+                    </m:oMathParaPr>
+                    <m:oMath xmlns:m="http://schemas.openxmlformats.org/officeDocument/2006/math">
+                      <m:sSub>
+                        <m:sSubPr>
+                          <m:ctrlPr>
+                            <a:rPr lang="en-US" sz="1500" b="0" i="1" smtClean="0">
+                              <a:latin typeface="Cambria Math" panose="02040503050406030204" pitchFamily="18" charset="0"/>
+                            </a:rPr>
+                          </m:ctrlPr>
+                        </m:sSubPr>
+                        <m:e>
+                          <m:r>
+                            <a:rPr lang="en-US" sz="1500" b="0" i="1" smtClean="0">
+                              <a:latin typeface="Cambria Math" panose="02040503050406030204" pitchFamily="18" charset="0"/>
+                            </a:rPr>
+                            <m:t>𝑣𝑓</m:t>
+                          </m:r>
+                        </m:e>
+                        <m:sub>
+                          <m:r>
+                            <a:rPr lang="en-US" sz="1500" b="0" i="1" smtClean="0">
+                              <a:latin typeface="Cambria Math" panose="02040503050406030204" pitchFamily="18" charset="0"/>
+                            </a:rPr>
+                            <m:t>2</m:t>
+                          </m:r>
+                        </m:sub>
+                      </m:sSub>
+                      <m:r>
+                        <a:rPr lang="en-US" sz="1500" b="0" i="1" smtClean="0">
+                          <a:latin typeface="Cambria Math" panose="02040503050406030204" pitchFamily="18" charset="0"/>
+                        </a:rPr>
+                        <m:t>=0.5</m:t>
+                      </m:r>
+                    </m:oMath>
+                  </m:oMathPara>
+                </a14:m>
+                <a:endParaRPr lang="en-US" sz="1500" dirty="0"/>
+              </a:p>
+            </p:txBody>
+          </p:sp>
+        </mc:Choice>
+        <mc:Fallback>
+          <p:sp>
+            <p:nvSpPr>
+              <p:cNvPr id="27" name="TextBox 26">
+                <a:extLst>
+                  <a:ext uri="{FF2B5EF4-FFF2-40B4-BE49-F238E27FC236}">
+                    <a16:creationId xmlns:a16="http://schemas.microsoft.com/office/drawing/2014/main" id="{1A0E3E42-16F3-F341-98D7-17B6B4E03F0D}"/>
+                  </a:ext>
+                </a:extLst>
+              </p:cNvPr>
+              <p:cNvSpPr txBox="1">
+                <a:spLocks noRot="1" noChangeAspect="1" noMove="1" noResize="1" noEditPoints="1" noAdjustHandles="1" noChangeArrowheads="1" noChangeShapeType="1" noTextEdit="1"/>
+              </p:cNvSpPr>
+              <p:nvPr/>
+            </p:nvSpPr>
+            <p:spPr>
+              <a:xfrm>
+                <a:off x="7877870" y="1139100"/>
+                <a:ext cx="1000402" cy="323165"/>
+              </a:xfrm>
+              <a:prstGeom prst="rect">
+                <a:avLst/>
+              </a:prstGeom>
+              <a:blipFill>
+                <a:blip r:embed="rId6"/>
+                <a:stretch>
+                  <a:fillRect b="-7692"/>
+                </a:stretch>
+              </a:blipFill>
+            </p:spPr>
+            <p:txBody>
+              <a:bodyPr/>
+              <a:lstStyle/>
+              <a:p>
+                <a:r>
+                  <a:rPr lang="en-US">
+                    <a:noFill/>
+                  </a:rPr>
+                  <a:t> </a:t>
+                </a:r>
+              </a:p>
+            </p:txBody>
+          </p:sp>
+        </mc:Fallback>
+      </mc:AlternateContent>
+      <mc:AlternateContent xmlns:mc="http://schemas.openxmlformats.org/markup-compatibility/2006">
+        <mc:Choice xmlns:a14="http://schemas.microsoft.com/office/drawing/2010/main" Requires="a14">
+          <p:sp>
+            <p:nvSpPr>
+              <p:cNvPr id="28" name="TextBox 27">
+                <a:extLst>
+                  <a:ext uri="{FF2B5EF4-FFF2-40B4-BE49-F238E27FC236}">
+                    <a16:creationId xmlns:a16="http://schemas.microsoft.com/office/drawing/2014/main" id="{69C3D160-75A0-3747-B99B-9F70E7A4C7A1}"/>
+                  </a:ext>
+                </a:extLst>
+              </p:cNvPr>
+              <p:cNvSpPr txBox="1"/>
+              <p:nvPr/>
+            </p:nvSpPr>
+            <p:spPr>
+              <a:xfrm>
+                <a:off x="9398035" y="1139100"/>
+                <a:ext cx="1006045" cy="323165"/>
+              </a:xfrm>
+              <a:prstGeom prst="rect">
+                <a:avLst/>
+              </a:prstGeom>
+              <a:noFill/>
+            </p:spPr>
+            <p:txBody>
+              <a:bodyPr wrap="none" rtlCol="0">
+                <a:spAutoFit/>
+              </a:bodyPr>
+              <a:lstStyle/>
+              <a:p>
+                <a:pPr/>
+                <a14:m>
+                  <m:oMathPara xmlns:m="http://schemas.openxmlformats.org/officeDocument/2006/math">
+                    <m:oMathParaPr>
+                      <m:jc m:val="centerGroup"/>
+                    </m:oMathParaPr>
+                    <m:oMath xmlns:m="http://schemas.openxmlformats.org/officeDocument/2006/math">
+                      <m:r>
+                        <a:rPr lang="en-US" sz="1500" b="0" i="1" smtClean="0">
+                          <a:latin typeface="Cambria Math" panose="02040503050406030204" pitchFamily="18" charset="0"/>
+                        </a:rPr>
+                        <m:t>𝑣</m:t>
+                      </m:r>
+                      <m:sSub>
+                        <m:sSubPr>
+                          <m:ctrlPr>
+                            <a:rPr lang="en-US" sz="1500" b="0" i="1" smtClean="0">
+                              <a:latin typeface="Cambria Math" panose="02040503050406030204" pitchFamily="18" charset="0"/>
+                            </a:rPr>
+                          </m:ctrlPr>
+                        </m:sSubPr>
+                        <m:e>
+                          <m:r>
+                            <a:rPr lang="en-US" sz="1500" b="0" i="1" smtClean="0">
+                              <a:latin typeface="Cambria Math" panose="02040503050406030204" pitchFamily="18" charset="0"/>
+                            </a:rPr>
+                            <m:t>𝑓</m:t>
+                          </m:r>
+                        </m:e>
+                        <m:sub>
+                          <m:r>
+                            <a:rPr lang="en-US" sz="1500" b="0" i="1" smtClean="0">
+                              <a:latin typeface="Cambria Math" panose="02040503050406030204" pitchFamily="18" charset="0"/>
+                            </a:rPr>
+                            <m:t>2</m:t>
+                          </m:r>
+                        </m:sub>
+                      </m:sSub>
+                      <m:r>
+                        <a:rPr lang="en-US" sz="1500" b="0" i="1" smtClean="0">
+                          <a:latin typeface="Cambria Math" panose="02040503050406030204" pitchFamily="18" charset="0"/>
+                        </a:rPr>
+                        <m:t>=0.6</m:t>
+                      </m:r>
+                    </m:oMath>
+                  </m:oMathPara>
+                </a14:m>
+                <a:endParaRPr lang="en-US" sz="1500" dirty="0"/>
+              </a:p>
+            </p:txBody>
+          </p:sp>
+        </mc:Choice>
+        <mc:Fallback>
+          <p:sp>
+            <p:nvSpPr>
+              <p:cNvPr id="28" name="TextBox 27">
+                <a:extLst>
+                  <a:ext uri="{FF2B5EF4-FFF2-40B4-BE49-F238E27FC236}">
+                    <a16:creationId xmlns:a16="http://schemas.microsoft.com/office/drawing/2014/main" id="{69C3D160-75A0-3747-B99B-9F70E7A4C7A1}"/>
+                  </a:ext>
+                </a:extLst>
+              </p:cNvPr>
+              <p:cNvSpPr txBox="1">
+                <a:spLocks noRot="1" noChangeAspect="1" noMove="1" noResize="1" noEditPoints="1" noAdjustHandles="1" noChangeArrowheads="1" noChangeShapeType="1" noTextEdit="1"/>
+              </p:cNvSpPr>
+              <p:nvPr/>
+            </p:nvSpPr>
+            <p:spPr>
+              <a:xfrm>
+                <a:off x="9398035" y="1139100"/>
+                <a:ext cx="1006045" cy="323165"/>
+              </a:xfrm>
+              <a:prstGeom prst="rect">
+                <a:avLst/>
+              </a:prstGeom>
+              <a:blipFill>
+                <a:blip r:embed="rId7"/>
+                <a:stretch>
+                  <a:fillRect b="-7692"/>
+                </a:stretch>
+              </a:blipFill>
+            </p:spPr>
+            <p:txBody>
+              <a:bodyPr/>
+              <a:lstStyle/>
+              <a:p>
+                <a:r>
+                  <a:rPr lang="en-US">
+                    <a:noFill/>
+                  </a:rPr>
+                  <a:t> </a:t>
+                </a:r>
+              </a:p>
+            </p:txBody>
+          </p:sp>
+        </mc:Fallback>
+      </mc:AlternateContent>
+      <p:pic>
+        <p:nvPicPr>
+          <p:cNvPr id="29" name="Picture 28">
+            <a:extLst>
+              <a:ext uri="{FF2B5EF4-FFF2-40B4-BE49-F238E27FC236}">
+                <a16:creationId xmlns:a16="http://schemas.microsoft.com/office/drawing/2014/main" id="{232D0F55-18BC-6D4A-9841-04CBB46423B5}"/>
+              </a:ext>
+            </a:extLst>
+          </p:cNvPr>
+          <p:cNvPicPr>
+            <a:picLocks noChangeAspect="1"/>
+          </p:cNvPicPr>
+          <p:nvPr/>
+        </p:nvPicPr>
+        <p:blipFill>
+          <a:blip r:embed="rId8">
+            <a:clrChange>
+              <a:clrFrom>
+                <a:srgbClr val="FFFFFF"/>
+              </a:clrFrom>
+              <a:clrTo>
+                <a:srgbClr val="FFFFFF">
+                  <a:alpha val="0"/>
+                </a:srgbClr>
+              </a:clrTo>
+            </a:clrChange>
+          </a:blip>
+          <a:stretch>
+            <a:fillRect/>
+          </a:stretch>
+        </p:blipFill>
+        <p:spPr>
+          <a:xfrm>
+            <a:off x="1645920" y="1456875"/>
+            <a:ext cx="1386824" cy="1368959"/>
+          </a:xfrm>
+          <a:prstGeom prst="rect">
+            <a:avLst/>
+          </a:prstGeom>
+        </p:spPr>
+      </p:pic>
+      <p:pic>
+        <p:nvPicPr>
+          <p:cNvPr id="30" name="Picture 29" descr="A close up of a logo&#13;&#10;&#13;&#10;Description automatically generated">
+            <a:extLst>
+              <a:ext uri="{FF2B5EF4-FFF2-40B4-BE49-F238E27FC236}">
+                <a16:creationId xmlns:a16="http://schemas.microsoft.com/office/drawing/2014/main" id="{A91F37BF-8D4F-6E44-8B40-5CD3F191E50C}"/>
+              </a:ext>
+            </a:extLst>
+          </p:cNvPr>
+          <p:cNvPicPr>
+            <a:picLocks noChangeAspect="1"/>
+          </p:cNvPicPr>
+          <p:nvPr/>
+        </p:nvPicPr>
+        <p:blipFill>
+          <a:blip r:embed="rId9">
+            <a:clrChange>
+              <a:clrFrom>
+                <a:srgbClr val="FFFFFF"/>
+              </a:clrFrom>
+              <a:clrTo>
+                <a:srgbClr val="FFFFFF">
+                  <a:alpha val="0"/>
+                </a:srgbClr>
+              </a:clrTo>
+            </a:clrChange>
+          </a:blip>
+          <a:stretch>
+            <a:fillRect/>
+          </a:stretch>
+        </p:blipFill>
+        <p:spPr>
+          <a:xfrm>
+            <a:off x="3173665" y="1469060"/>
+            <a:ext cx="1351258" cy="1344590"/>
+          </a:xfrm>
+          <a:prstGeom prst="rect">
+            <a:avLst/>
+          </a:prstGeom>
+        </p:spPr>
+      </p:pic>
+      <p:pic>
+        <p:nvPicPr>
+          <p:cNvPr id="31" name="Picture 30" descr="A close up of a logo&#13;&#10;&#13;&#10;Description automatically generated">
+            <a:extLst>
+              <a:ext uri="{FF2B5EF4-FFF2-40B4-BE49-F238E27FC236}">
+                <a16:creationId xmlns:a16="http://schemas.microsoft.com/office/drawing/2014/main" id="{6A5F58FA-8572-4442-B558-E077BCFEC6F2}"/>
+              </a:ext>
+            </a:extLst>
+          </p:cNvPr>
+          <p:cNvPicPr>
+            <a:picLocks noChangeAspect="1"/>
+          </p:cNvPicPr>
+          <p:nvPr/>
+        </p:nvPicPr>
+        <p:blipFill>
+          <a:blip r:embed="rId10">
+            <a:clrChange>
+              <a:clrFrom>
+                <a:srgbClr val="FFFFFF"/>
+              </a:clrFrom>
+              <a:clrTo>
+                <a:srgbClr val="FFFFFF">
+                  <a:alpha val="0"/>
+                </a:srgbClr>
+              </a:clrTo>
+            </a:clrChange>
+          </a:blip>
+          <a:stretch>
+            <a:fillRect/>
+          </a:stretch>
+        </p:blipFill>
+        <p:spPr>
+          <a:xfrm>
+            <a:off x="4676295" y="1469060"/>
+            <a:ext cx="1329996" cy="1325564"/>
+          </a:xfrm>
+          <a:prstGeom prst="rect">
+            <a:avLst/>
+          </a:prstGeom>
+        </p:spPr>
+      </p:pic>
+      <p:pic>
+        <p:nvPicPr>
+          <p:cNvPr id="32" name="Picture 31" descr="A close up of a logo&#13;&#10;&#13;&#10;Description automatically generated">
+            <a:extLst>
+              <a:ext uri="{FF2B5EF4-FFF2-40B4-BE49-F238E27FC236}">
+                <a16:creationId xmlns:a16="http://schemas.microsoft.com/office/drawing/2014/main" id="{DCDD4CA8-C69F-9346-B74D-EEC6A4CC808D}"/>
+              </a:ext>
+            </a:extLst>
+          </p:cNvPr>
+          <p:cNvPicPr>
+            <a:picLocks noChangeAspect="1"/>
+          </p:cNvPicPr>
+          <p:nvPr/>
+        </p:nvPicPr>
+        <p:blipFill>
+          <a:blip r:embed="rId11">
+            <a:clrChange>
+              <a:clrFrom>
+                <a:srgbClr val="FFFFFF"/>
+              </a:clrFrom>
+              <a:clrTo>
+                <a:srgbClr val="FFFFFF">
+                  <a:alpha val="0"/>
+                </a:srgbClr>
+              </a:clrTo>
+            </a:clrChange>
+          </a:blip>
+          <a:stretch>
+            <a:fillRect/>
+          </a:stretch>
+        </p:blipFill>
+        <p:spPr>
+          <a:xfrm>
+            <a:off x="6194771" y="1478115"/>
+            <a:ext cx="1327657" cy="1323210"/>
+          </a:xfrm>
+          <a:prstGeom prst="rect">
+            <a:avLst/>
+          </a:prstGeom>
+        </p:spPr>
+      </p:pic>
+      <p:pic>
+        <p:nvPicPr>
+          <p:cNvPr id="33" name="Picture 32" descr="A close up of a logo&#13;&#10;&#13;&#10;Description automatically generated">
+            <a:extLst>
+              <a:ext uri="{FF2B5EF4-FFF2-40B4-BE49-F238E27FC236}">
+                <a16:creationId xmlns:a16="http://schemas.microsoft.com/office/drawing/2014/main" id="{826626E2-6676-A145-BC5C-363BD04DFC5A}"/>
+              </a:ext>
+            </a:extLst>
+          </p:cNvPr>
+          <p:cNvPicPr>
+            <a:picLocks noChangeAspect="1"/>
+          </p:cNvPicPr>
+          <p:nvPr/>
+        </p:nvPicPr>
+        <p:blipFill>
+          <a:blip r:embed="rId12">
+            <a:clrChange>
+              <a:clrFrom>
+                <a:srgbClr val="FFFFFF"/>
+              </a:clrFrom>
+              <a:clrTo>
+                <a:srgbClr val="FFFFFF">
+                  <a:alpha val="0"/>
+                </a:srgbClr>
+              </a:clrTo>
+            </a:clrChange>
+          </a:blip>
+          <a:stretch>
+            <a:fillRect/>
+          </a:stretch>
+        </p:blipFill>
+        <p:spPr>
+          <a:xfrm>
+            <a:off x="7699619" y="1476686"/>
+            <a:ext cx="1329997" cy="1325564"/>
+          </a:xfrm>
+          <a:prstGeom prst="rect">
+            <a:avLst/>
+          </a:prstGeom>
+        </p:spPr>
+      </p:pic>
+      <p:pic>
+        <p:nvPicPr>
+          <p:cNvPr id="34" name="Picture 33" descr="A close up of a logo&#13;&#10;&#13;&#10;Description automatically generated">
+            <a:extLst>
+              <a:ext uri="{FF2B5EF4-FFF2-40B4-BE49-F238E27FC236}">
+                <a16:creationId xmlns:a16="http://schemas.microsoft.com/office/drawing/2014/main" id="{D9C83E4B-3996-7F4A-B389-BE617B7D7483}"/>
+              </a:ext>
+            </a:extLst>
+          </p:cNvPr>
+          <p:cNvPicPr>
+            <a:picLocks noChangeAspect="1"/>
+          </p:cNvPicPr>
+          <p:nvPr/>
+        </p:nvPicPr>
+        <p:blipFill>
+          <a:blip r:embed="rId13">
+            <a:clrChange>
+              <a:clrFrom>
+                <a:srgbClr val="FFFFFF"/>
+              </a:clrFrom>
+              <a:clrTo>
+                <a:srgbClr val="FFFFFF">
+                  <a:alpha val="0"/>
+                </a:srgbClr>
+              </a:clrTo>
+            </a:clrChange>
+          </a:blip>
+          <a:stretch>
+            <a:fillRect/>
+          </a:stretch>
+        </p:blipFill>
+        <p:spPr>
+          <a:xfrm>
+            <a:off x="9202056" y="1476217"/>
+            <a:ext cx="1317008" cy="1319222"/>
+          </a:xfrm>
+          <a:prstGeom prst="rect">
+            <a:avLst/>
+          </a:prstGeom>
+        </p:spPr>
+      </p:pic>
+      <p:pic>
+        <p:nvPicPr>
+          <p:cNvPr id="36" name="Picture 35">
+            <a:extLst>
+              <a:ext uri="{FF2B5EF4-FFF2-40B4-BE49-F238E27FC236}">
+                <a16:creationId xmlns:a16="http://schemas.microsoft.com/office/drawing/2014/main" id="{CD8CAD63-6A19-984E-B134-88B384538FD7}"/>
+              </a:ext>
+            </a:extLst>
+          </p:cNvPr>
+          <p:cNvPicPr>
+            <a:picLocks noChangeAspect="1"/>
+          </p:cNvPicPr>
+          <p:nvPr/>
+        </p:nvPicPr>
+        <p:blipFill rotWithShape="1">
+          <a:blip r:embed="rId14"/>
+          <a:srcRect t="9148" r="12710"/>
+          <a:stretch/>
+        </p:blipFill>
+        <p:spPr>
+          <a:xfrm>
+            <a:off x="1388002" y="2971238"/>
+            <a:ext cx="1641399" cy="1280649"/>
+          </a:xfrm>
+          <a:prstGeom prst="rect">
+            <a:avLst/>
+          </a:prstGeom>
+        </p:spPr>
+      </p:pic>
+      <p:pic>
+        <p:nvPicPr>
+          <p:cNvPr id="37" name="Picture 36">
+            <a:extLst>
+              <a:ext uri="{FF2B5EF4-FFF2-40B4-BE49-F238E27FC236}">
+                <a16:creationId xmlns:a16="http://schemas.microsoft.com/office/drawing/2014/main" id="{235147E3-0735-F04E-8570-6E1D001D5717}"/>
+              </a:ext>
+            </a:extLst>
+          </p:cNvPr>
+          <p:cNvPicPr>
+            <a:picLocks noChangeAspect="1"/>
+          </p:cNvPicPr>
+          <p:nvPr/>
+        </p:nvPicPr>
+        <p:blipFill rotWithShape="1">
+          <a:blip r:embed="rId15"/>
+          <a:srcRect l="14591" t="8250" r="13729"/>
+          <a:stretch/>
+        </p:blipFill>
+        <p:spPr>
+          <a:xfrm>
+            <a:off x="3181841" y="2960110"/>
+            <a:ext cx="1345151" cy="1290697"/>
+          </a:xfrm>
+          <a:prstGeom prst="rect">
+            <a:avLst/>
+          </a:prstGeom>
+        </p:spPr>
+      </p:pic>
+      <p:pic>
+        <p:nvPicPr>
+          <p:cNvPr id="38" name="Picture 37">
+            <a:extLst>
+              <a:ext uri="{FF2B5EF4-FFF2-40B4-BE49-F238E27FC236}">
+                <a16:creationId xmlns:a16="http://schemas.microsoft.com/office/drawing/2014/main" id="{5731D3F5-0008-BA48-BB2F-F8610957A2B4}"/>
+              </a:ext>
+            </a:extLst>
+          </p:cNvPr>
+          <p:cNvPicPr>
+            <a:picLocks noChangeAspect="1"/>
+          </p:cNvPicPr>
+          <p:nvPr/>
+        </p:nvPicPr>
+        <p:blipFill rotWithShape="1">
+          <a:blip r:embed="rId16"/>
+          <a:srcRect l="14082" t="8964" r="12025"/>
+          <a:stretch/>
+        </p:blipFill>
+        <p:spPr>
+          <a:xfrm>
+            <a:off x="4656572" y="2970158"/>
+            <a:ext cx="1386692" cy="1280649"/>
+          </a:xfrm>
+          <a:prstGeom prst="rect">
+            <a:avLst/>
+          </a:prstGeom>
+        </p:spPr>
+      </p:pic>
+      <p:pic>
+        <p:nvPicPr>
+          <p:cNvPr id="39" name="Picture 38">
+            <a:extLst>
+              <a:ext uri="{FF2B5EF4-FFF2-40B4-BE49-F238E27FC236}">
+                <a16:creationId xmlns:a16="http://schemas.microsoft.com/office/drawing/2014/main" id="{8C387CBE-EA81-AD45-8BEB-A14D7F7A8E4A}"/>
+              </a:ext>
+            </a:extLst>
+          </p:cNvPr>
+          <p:cNvPicPr>
+            <a:picLocks noChangeAspect="1"/>
+          </p:cNvPicPr>
+          <p:nvPr/>
+        </p:nvPicPr>
+        <p:blipFill rotWithShape="1">
+          <a:blip r:embed="rId17"/>
+          <a:srcRect l="13573" t="8964" r="12534"/>
+          <a:stretch/>
+        </p:blipFill>
+        <p:spPr>
+          <a:xfrm>
+            <a:off x="6172844" y="2960110"/>
+            <a:ext cx="1386691" cy="1280650"/>
+          </a:xfrm>
+          <a:prstGeom prst="rect">
+            <a:avLst/>
+          </a:prstGeom>
+        </p:spPr>
+      </p:pic>
+      <p:pic>
+        <p:nvPicPr>
+          <p:cNvPr id="40" name="Picture 39">
+            <a:extLst>
+              <a:ext uri="{FF2B5EF4-FFF2-40B4-BE49-F238E27FC236}">
+                <a16:creationId xmlns:a16="http://schemas.microsoft.com/office/drawing/2014/main" id="{38D7C394-A2ED-934C-AFAC-F3F07D648F0B}"/>
+              </a:ext>
+            </a:extLst>
+          </p:cNvPr>
+          <p:cNvPicPr>
+            <a:picLocks noChangeAspect="1"/>
+          </p:cNvPicPr>
+          <p:nvPr/>
+        </p:nvPicPr>
+        <p:blipFill rotWithShape="1">
+          <a:blip r:embed="rId18"/>
+          <a:srcRect l="13729" t="8964" r="13729"/>
+          <a:stretch/>
+        </p:blipFill>
+        <p:spPr>
+          <a:xfrm>
+            <a:off x="7677684" y="2960110"/>
+            <a:ext cx="1361306" cy="1280649"/>
+          </a:xfrm>
+          <a:prstGeom prst="rect">
+            <a:avLst/>
+          </a:prstGeom>
+        </p:spPr>
+      </p:pic>
+      <p:pic>
+        <p:nvPicPr>
+          <p:cNvPr id="41" name="Picture 40">
+            <a:extLst>
+              <a:ext uri="{FF2B5EF4-FFF2-40B4-BE49-F238E27FC236}">
+                <a16:creationId xmlns:a16="http://schemas.microsoft.com/office/drawing/2014/main" id="{6E319436-21C9-AE44-9E42-17515D3E676B}"/>
+              </a:ext>
+            </a:extLst>
+          </p:cNvPr>
+          <p:cNvPicPr>
+            <a:picLocks noChangeAspect="1"/>
+          </p:cNvPicPr>
+          <p:nvPr/>
+        </p:nvPicPr>
+        <p:blipFill rotWithShape="1">
+          <a:blip r:embed="rId19"/>
+          <a:srcRect l="12534" t="8964"/>
+          <a:stretch/>
+        </p:blipFill>
+        <p:spPr>
+          <a:xfrm>
+            <a:off x="9159950" y="2960110"/>
+            <a:ext cx="1641400" cy="1280649"/>
+          </a:xfrm>
+          <a:prstGeom prst="rect">
+            <a:avLst/>
+          </a:prstGeom>
+        </p:spPr>
+      </p:pic>
+    </p:spTree>
+    <p:extLst>
+      <p:ext uri="{BB962C8B-B14F-4D97-AF65-F5344CB8AC3E}">
+        <p14:creationId xmlns:p14="http://schemas.microsoft.com/office/powerpoint/2010/main" val="4067634149"/>
       </p:ext>
     </p:extLst>
   </p:cSld>

--- a/content/project/Figures.pptx
+++ b/content/project/Figures.pptx
@@ -5,12 +5,14 @@
     <p:sldMasterId id="2147483648" r:id="rId1"/>
   </p:sldMasterIdLst>
   <p:notesMasterIdLst>
-    <p:notesMasterId r:id="rId5"/>
+    <p:notesMasterId r:id="rId7"/>
   </p:notesMasterIdLst>
   <p:sldIdLst>
     <p:sldId id="270" r:id="rId2"/>
     <p:sldId id="271" r:id="rId3"/>
     <p:sldId id="273" r:id="rId4"/>
+    <p:sldId id="274" r:id="rId5"/>
+    <p:sldId id="275" r:id="rId6"/>
   </p:sldIdLst>
   <p:sldSz cx="12192000" cy="6858000"/>
   <p:notesSz cx="6858000" cy="9144000"/>
@@ -5607,8 +5609,8 @@
           </a:fontRef>
         </p:style>
       </p:cxnSp>
-      <mc:AlternateContent xmlns:mc="http://schemas.openxmlformats.org/markup-compatibility/2006">
-        <mc:Choice xmlns:a14="http://schemas.microsoft.com/office/drawing/2010/main" Requires="a14">
+      <mc:AlternateContent xmlns:mc="http://schemas.openxmlformats.org/markup-compatibility/2006" xmlns:a14="http://schemas.microsoft.com/office/drawing/2010/main">
+        <mc:Choice Requires="a14">
           <p:sp>
             <p:nvSpPr>
               <p:cNvPr id="23" name="TextBox 22">
@@ -5683,7 +5685,7 @@
             </p:txBody>
           </p:sp>
         </mc:Choice>
-        <mc:Fallback>
+        <mc:Fallback xmlns="">
           <p:sp>
             <p:nvSpPr>
               <p:cNvPr id="23" name="TextBox 22">
@@ -5728,8 +5730,8 @@
           </p:sp>
         </mc:Fallback>
       </mc:AlternateContent>
-      <mc:AlternateContent xmlns:mc="http://schemas.openxmlformats.org/markup-compatibility/2006">
-        <mc:Choice xmlns:a14="http://schemas.microsoft.com/office/drawing/2010/main" Requires="a14">
+      <mc:AlternateContent xmlns:mc="http://schemas.openxmlformats.org/markup-compatibility/2006" xmlns:a14="http://schemas.microsoft.com/office/drawing/2010/main">
+        <mc:Choice Requires="a14">
           <p:sp>
             <p:nvSpPr>
               <p:cNvPr id="24" name="TextBox 23">
@@ -5804,7 +5806,7 @@
             </p:txBody>
           </p:sp>
         </mc:Choice>
-        <mc:Fallback>
+        <mc:Fallback xmlns="">
           <p:sp>
             <p:nvSpPr>
               <p:cNvPr id="24" name="TextBox 23">
@@ -5849,8 +5851,8 @@
           </p:sp>
         </mc:Fallback>
       </mc:AlternateContent>
-      <mc:AlternateContent xmlns:mc="http://schemas.openxmlformats.org/markup-compatibility/2006">
-        <mc:Choice xmlns:a14="http://schemas.microsoft.com/office/drawing/2010/main" Requires="a14">
+      <mc:AlternateContent xmlns:mc="http://schemas.openxmlformats.org/markup-compatibility/2006" xmlns:a14="http://schemas.microsoft.com/office/drawing/2010/main">
+        <mc:Choice Requires="a14">
           <p:sp>
             <p:nvSpPr>
               <p:cNvPr id="25" name="TextBox 24">
@@ -5925,7 +5927,7 @@
             </p:txBody>
           </p:sp>
         </mc:Choice>
-        <mc:Fallback>
+        <mc:Fallback xmlns="">
           <p:sp>
             <p:nvSpPr>
               <p:cNvPr id="25" name="TextBox 24">
@@ -5970,8 +5972,8 @@
           </p:sp>
         </mc:Fallback>
       </mc:AlternateContent>
-      <mc:AlternateContent xmlns:mc="http://schemas.openxmlformats.org/markup-compatibility/2006">
-        <mc:Choice xmlns:a14="http://schemas.microsoft.com/office/drawing/2010/main" Requires="a14">
+      <mc:AlternateContent xmlns:mc="http://schemas.openxmlformats.org/markup-compatibility/2006" xmlns:a14="http://schemas.microsoft.com/office/drawing/2010/main">
+        <mc:Choice Requires="a14">
           <p:sp>
             <p:nvSpPr>
               <p:cNvPr id="26" name="TextBox 25">
@@ -6046,7 +6048,7 @@
             </p:txBody>
           </p:sp>
         </mc:Choice>
-        <mc:Fallback>
+        <mc:Fallback xmlns="">
           <p:sp>
             <p:nvSpPr>
               <p:cNvPr id="26" name="TextBox 25">
@@ -6091,8 +6093,8 @@
           </p:sp>
         </mc:Fallback>
       </mc:AlternateContent>
-      <mc:AlternateContent xmlns:mc="http://schemas.openxmlformats.org/markup-compatibility/2006">
-        <mc:Choice xmlns:a14="http://schemas.microsoft.com/office/drawing/2010/main" Requires="a14">
+      <mc:AlternateContent xmlns:mc="http://schemas.openxmlformats.org/markup-compatibility/2006" xmlns:a14="http://schemas.microsoft.com/office/drawing/2010/main">
+        <mc:Choice Requires="a14">
           <p:sp>
             <p:nvSpPr>
               <p:cNvPr id="27" name="TextBox 26">
@@ -6167,7 +6169,7 @@
             </p:txBody>
           </p:sp>
         </mc:Choice>
-        <mc:Fallback>
+        <mc:Fallback xmlns="">
           <p:sp>
             <p:nvSpPr>
               <p:cNvPr id="27" name="TextBox 26">
@@ -6212,8 +6214,8 @@
           </p:sp>
         </mc:Fallback>
       </mc:AlternateContent>
-      <mc:AlternateContent xmlns:mc="http://schemas.openxmlformats.org/markup-compatibility/2006">
-        <mc:Choice xmlns:a14="http://schemas.microsoft.com/office/drawing/2010/main" Requires="a14">
+      <mc:AlternateContent xmlns:mc="http://schemas.openxmlformats.org/markup-compatibility/2006" xmlns:a14="http://schemas.microsoft.com/office/drawing/2010/main">
+        <mc:Choice Requires="a14">
           <p:sp>
             <p:nvSpPr>
               <p:cNvPr id="28" name="TextBox 27">
@@ -6294,7 +6296,7 @@
             </p:txBody>
           </p:sp>
         </mc:Choice>
-        <mc:Fallback>
+        <mc:Fallback xmlns="">
           <p:sp>
             <p:nvSpPr>
               <p:cNvPr id="28" name="TextBox 27">
@@ -6769,6 +6771,1953 @@
   <p:clrMapOvr>
     <a:masterClrMapping/>
   </p:clrMapOvr>
+</p:sld>
+</file>
+
+<file path=ppt/slides/slide4.xml><?xml version="1.0" encoding="utf-8"?>
+<p:sld xmlns:a="http://schemas.openxmlformats.org/drawingml/2006/main" xmlns:r="http://schemas.openxmlformats.org/officeDocument/2006/relationships" xmlns:p="http://schemas.openxmlformats.org/presentationml/2006/main">
+  <p:cSld>
+    <p:spTree>
+      <p:nvGrpSpPr>
+        <p:cNvPr id="1" name=""/>
+        <p:cNvGrpSpPr/>
+        <p:nvPr/>
+      </p:nvGrpSpPr>
+      <p:grpSpPr>
+        <a:xfrm>
+          <a:off x="0" y="0"/>
+          <a:ext cx="0" cy="0"/>
+          <a:chOff x="0" y="0"/>
+          <a:chExt cx="0" cy="0"/>
+        </a:xfrm>
+      </p:grpSpPr>
+      <p:pic>
+        <p:nvPicPr>
+          <p:cNvPr id="5" name="Picture 4">
+            <a:extLst>
+              <a:ext uri="{FF2B5EF4-FFF2-40B4-BE49-F238E27FC236}">
+                <a16:creationId xmlns:a16="http://schemas.microsoft.com/office/drawing/2014/main" id="{6F5F48BD-454A-424A-8A77-D6723C9D2EDC}"/>
+              </a:ext>
+            </a:extLst>
+          </p:cNvPr>
+          <p:cNvPicPr>
+            <a:picLocks noChangeAspect="1"/>
+          </p:cNvPicPr>
+          <p:nvPr/>
+        </p:nvPicPr>
+        <p:blipFill>
+          <a:blip r:embed="rId2"/>
+          <a:stretch>
+            <a:fillRect/>
+          </a:stretch>
+        </p:blipFill>
+        <p:spPr>
+          <a:xfrm>
+            <a:off x="0" y="0"/>
+            <a:ext cx="12192000" cy="6858000"/>
+          </a:xfrm>
+          <a:prstGeom prst="rect">
+            <a:avLst/>
+          </a:prstGeom>
+        </p:spPr>
+      </p:pic>
+    </p:spTree>
+    <p:extLst>
+      <p:ext uri="{BB962C8B-B14F-4D97-AF65-F5344CB8AC3E}">
+        <p14:creationId xmlns:p14="http://schemas.microsoft.com/office/powerpoint/2010/main" val="1990088387"/>
+      </p:ext>
+    </p:extLst>
+  </p:cSld>
+  <p:clrMapOvr>
+    <a:masterClrMapping/>
+  </p:clrMapOvr>
+</p:sld>
+</file>
+
+<file path=ppt/slides/slide5.xml><?xml version="1.0" encoding="utf-8"?>
+<p:sld xmlns:a="http://schemas.openxmlformats.org/drawingml/2006/main" xmlns:r="http://schemas.openxmlformats.org/officeDocument/2006/relationships" xmlns:p="http://schemas.openxmlformats.org/presentationml/2006/main">
+  <p:cSld>
+    <p:spTree>
+      <p:nvGrpSpPr>
+        <p:cNvPr id="1" name=""/>
+        <p:cNvGrpSpPr/>
+        <p:nvPr/>
+      </p:nvGrpSpPr>
+      <p:grpSpPr>
+        <a:xfrm>
+          <a:off x="0" y="0"/>
+          <a:ext cx="0" cy="0"/>
+          <a:chOff x="0" y="0"/>
+          <a:chExt cx="0" cy="0"/>
+        </a:xfrm>
+      </p:grpSpPr>
+      <p:grpSp>
+        <p:nvGrpSpPr>
+          <p:cNvPr id="4" name="Group 3">
+            <a:extLst>
+              <a:ext uri="{FF2B5EF4-FFF2-40B4-BE49-F238E27FC236}">
+                <a16:creationId xmlns:a16="http://schemas.microsoft.com/office/drawing/2014/main" id="{68C6DAE1-2594-6A49-BA98-097A03F24D1B}"/>
+              </a:ext>
+            </a:extLst>
+          </p:cNvPr>
+          <p:cNvGrpSpPr/>
+          <p:nvPr/>
+        </p:nvGrpSpPr>
+        <p:grpSpPr>
+          <a:xfrm>
+            <a:off x="2402840" y="2411534"/>
+            <a:ext cx="7848600" cy="1613414"/>
+            <a:chOff x="756920" y="2466398"/>
+            <a:chExt cx="7848600" cy="1613414"/>
+          </a:xfrm>
+        </p:grpSpPr>
+        <p:sp>
+          <p:nvSpPr>
+            <p:cNvPr id="5" name="TextBox 4">
+              <a:extLst>
+                <a:ext uri="{FF2B5EF4-FFF2-40B4-BE49-F238E27FC236}">
+                  <a16:creationId xmlns:a16="http://schemas.microsoft.com/office/drawing/2014/main" id="{8F97E798-0781-B849-BD0C-646894D2165F}"/>
+                </a:ext>
+              </a:extLst>
+            </p:cNvPr>
+            <p:cNvSpPr txBox="1"/>
+            <p:nvPr/>
+          </p:nvSpPr>
+          <p:spPr>
+            <a:xfrm>
+              <a:off x="1032545" y="3092470"/>
+              <a:ext cx="3408826" cy="646331"/>
+            </a:xfrm>
+            <a:prstGeom prst="rect">
+              <a:avLst/>
+            </a:prstGeom>
+            <a:noFill/>
+            <a:ln>
+              <a:solidFill>
+                <a:srgbClr val="C00000"/>
+              </a:solidFill>
+            </a:ln>
+          </p:spPr>
+          <p:style>
+            <a:lnRef idx="2">
+              <a:schemeClr val="accent2"/>
+            </a:lnRef>
+            <a:fillRef idx="1">
+              <a:schemeClr val="lt1"/>
+            </a:fillRef>
+            <a:effectRef idx="0">
+              <a:schemeClr val="accent2"/>
+            </a:effectRef>
+            <a:fontRef idx="minor">
+              <a:schemeClr val="dk1"/>
+            </a:fontRef>
+          </p:style>
+          <p:txBody>
+            <a:bodyPr wrap="square" rtlCol="0">
+              <a:spAutoFit/>
+            </a:bodyPr>
+            <a:lstStyle/>
+            <a:p>
+              <a:r>
+                <a:rPr lang="en-US" b="1" dirty="0">
+                  <a:solidFill>
+                    <a:srgbClr val="C00000"/>
+                  </a:solidFill>
+                </a:rPr>
+                <a:t>RVE package for a</a:t>
+              </a:r>
+              <a:r>
+                <a:rPr lang="en-US" altLang="zh-CN" b="1" dirty="0">
+                  <a:solidFill>
+                    <a:srgbClr val="C00000"/>
+                  </a:solidFill>
+                </a:rPr>
+                <a:t>nalysis and homogenization </a:t>
+              </a:r>
+              <a:r>
+                <a:rPr lang="en-US" b="1" dirty="0">
+                  <a:solidFill>
+                    <a:srgbClr val="C00000"/>
+                  </a:solidFill>
+                </a:rPr>
+                <a:t>in LS-DYNA</a:t>
+              </a:r>
+            </a:p>
+          </p:txBody>
+        </p:sp>
+        <p:sp>
+          <p:nvSpPr>
+            <p:cNvPr id="6" name="Rectangle 5">
+              <a:extLst>
+                <a:ext uri="{FF2B5EF4-FFF2-40B4-BE49-F238E27FC236}">
+                  <a16:creationId xmlns:a16="http://schemas.microsoft.com/office/drawing/2014/main" id="{F0D40E84-9210-3F49-9D3C-1591F45DC307}"/>
+                </a:ext>
+              </a:extLst>
+            </p:cNvPr>
+            <p:cNvSpPr/>
+            <p:nvPr/>
+          </p:nvSpPr>
+          <p:spPr>
+            <a:xfrm>
+              <a:off x="756920" y="2466398"/>
+              <a:ext cx="7848600" cy="1613414"/>
+            </a:xfrm>
+            <a:prstGeom prst="rect">
+              <a:avLst/>
+            </a:prstGeom>
+            <a:noFill/>
+            <a:ln>
+              <a:prstDash val="dash"/>
+            </a:ln>
+          </p:spPr>
+          <p:style>
+            <a:lnRef idx="2">
+              <a:schemeClr val="dk1"/>
+            </a:lnRef>
+            <a:fillRef idx="1">
+              <a:schemeClr val="lt1"/>
+            </a:fillRef>
+            <a:effectRef idx="0">
+              <a:schemeClr val="dk1"/>
+            </a:effectRef>
+            <a:fontRef idx="minor">
+              <a:schemeClr val="dk1"/>
+            </a:fontRef>
+          </p:style>
+          <p:txBody>
+            <a:bodyPr rtlCol="0" anchor="ctr"/>
+            <a:lstStyle/>
+            <a:p>
+              <a:pPr algn="ctr"/>
+              <a:endParaRPr lang="en-US"/>
+            </a:p>
+          </p:txBody>
+        </p:sp>
+        <p:sp>
+          <p:nvSpPr>
+            <p:cNvPr id="7" name="TextBox 6">
+              <a:extLst>
+                <a:ext uri="{FF2B5EF4-FFF2-40B4-BE49-F238E27FC236}">
+                  <a16:creationId xmlns:a16="http://schemas.microsoft.com/office/drawing/2014/main" id="{2F883300-9CD0-8B46-B413-3EA42B69C74C}"/>
+                </a:ext>
+              </a:extLst>
+            </p:cNvPr>
+            <p:cNvSpPr txBox="1"/>
+            <p:nvPr/>
+          </p:nvSpPr>
+          <p:spPr>
+            <a:xfrm>
+              <a:off x="3240463" y="2552875"/>
+              <a:ext cx="2509085" cy="338554"/>
+            </a:xfrm>
+            <a:prstGeom prst="rect">
+              <a:avLst/>
+            </a:prstGeom>
+            <a:noFill/>
+          </p:spPr>
+          <p:txBody>
+            <a:bodyPr wrap="none" rtlCol="0">
+              <a:spAutoFit/>
+            </a:bodyPr>
+            <a:lstStyle/>
+            <a:p>
+              <a:r>
+                <a:rPr lang="en-US" altLang="zh-CN" sz="1600" dirty="0"/>
+                <a:t>Virtual Experiments on RVE </a:t>
+              </a:r>
+              <a:endParaRPr lang="en-US" sz="1600" dirty="0"/>
+            </a:p>
+          </p:txBody>
+        </p:sp>
+        <p:sp>
+          <p:nvSpPr>
+            <p:cNvPr id="8" name="TextBox 7">
+              <a:extLst>
+                <a:ext uri="{FF2B5EF4-FFF2-40B4-BE49-F238E27FC236}">
+                  <a16:creationId xmlns:a16="http://schemas.microsoft.com/office/drawing/2014/main" id="{53077125-DEFA-E14F-86CF-E9DCC13E0943}"/>
+                </a:ext>
+              </a:extLst>
+            </p:cNvPr>
+            <p:cNvSpPr txBox="1"/>
+            <p:nvPr/>
+          </p:nvSpPr>
+          <p:spPr>
+            <a:xfrm>
+              <a:off x="5198518" y="2950171"/>
+              <a:ext cx="2912464" cy="1077218"/>
+            </a:xfrm>
+            <a:prstGeom prst="rect">
+              <a:avLst/>
+            </a:prstGeom>
+            <a:noFill/>
+          </p:spPr>
+          <p:txBody>
+            <a:bodyPr wrap="none" rtlCol="0">
+              <a:spAutoFit/>
+            </a:bodyPr>
+            <a:lstStyle/>
+            <a:p>
+              <a:pPr marL="285750" indent="-285750">
+                <a:buFont typeface="Arial" panose="020B0604020202020204" pitchFamily="34" charset="0"/>
+                <a:buChar char="•"/>
+              </a:pPr>
+              <a:r>
+                <a:rPr lang="en-US" altLang="zh-CN" sz="1600" dirty="0"/>
+                <a:t>FEM in 2D&amp;3D</a:t>
+              </a:r>
+            </a:p>
+            <a:p>
+              <a:pPr marL="285750" indent="-285750">
+                <a:buFont typeface="Arial" panose="020B0604020202020204" pitchFamily="34" charset="0"/>
+                <a:buChar char="•"/>
+              </a:pPr>
+              <a:r>
+                <a:rPr lang="en-US" altLang="zh-CN" sz="1600" dirty="0"/>
+                <a:t>Periodic BC, Displacement BC</a:t>
+              </a:r>
+            </a:p>
+            <a:p>
+              <a:pPr marL="285750" indent="-285750">
+                <a:buFont typeface="Arial" panose="020B0604020202020204" pitchFamily="34" charset="0"/>
+                <a:buChar char="•"/>
+              </a:pPr>
+              <a:r>
+                <a:rPr lang="en-US" altLang="zh-CN" sz="1600" dirty="0"/>
+                <a:t>Non-matching meshes</a:t>
+              </a:r>
+            </a:p>
+            <a:p>
+              <a:pPr marL="285750" indent="-285750">
+                <a:buFont typeface="Arial" panose="020B0604020202020204" pitchFamily="34" charset="0"/>
+                <a:buChar char="•"/>
+              </a:pPr>
+              <a:r>
+                <a:rPr lang="en-US" altLang="zh-CN" sz="1600" dirty="0"/>
+                <a:t>Homogenization/Averaging</a:t>
+              </a:r>
+            </a:p>
+          </p:txBody>
+        </p:sp>
+      </p:grpSp>
+      <p:grpSp>
+        <p:nvGrpSpPr>
+          <p:cNvPr id="9" name="Group 8">
+            <a:extLst>
+              <a:ext uri="{FF2B5EF4-FFF2-40B4-BE49-F238E27FC236}">
+                <a16:creationId xmlns:a16="http://schemas.microsoft.com/office/drawing/2014/main" id="{0B7BDFF8-F8BF-8244-8F4D-0D964CCFDA0F}"/>
+              </a:ext>
+            </a:extLst>
+          </p:cNvPr>
+          <p:cNvGrpSpPr/>
+          <p:nvPr/>
+        </p:nvGrpSpPr>
+        <p:grpSpPr>
+          <a:xfrm>
+            <a:off x="3985316" y="3877111"/>
+            <a:ext cx="457200" cy="901280"/>
+            <a:chOff x="6248400" y="2133600"/>
+            <a:chExt cx="457200" cy="762000"/>
+          </a:xfrm>
+          <a:noFill/>
+        </p:grpSpPr>
+        <p:cxnSp>
+          <p:nvCxnSpPr>
+            <p:cNvPr id="10" name="Straight Arrow Connector 9">
+              <a:extLst>
+                <a:ext uri="{FF2B5EF4-FFF2-40B4-BE49-F238E27FC236}">
+                  <a16:creationId xmlns:a16="http://schemas.microsoft.com/office/drawing/2014/main" id="{7A5AB16C-FA8E-8C43-9395-44445A88AAF1}"/>
+                </a:ext>
+              </a:extLst>
+            </p:cNvPr>
+            <p:cNvCxnSpPr/>
+            <p:nvPr/>
+          </p:nvCxnSpPr>
+          <p:spPr>
+            <a:xfrm>
+              <a:off x="6248400" y="2133600"/>
+              <a:ext cx="0" cy="762000"/>
+            </a:xfrm>
+            <a:prstGeom prst="straightConnector1">
+              <a:avLst/>
+            </a:prstGeom>
+            <a:grpFill/>
+            <a:ln w="28575">
+              <a:tailEnd type="triangle"/>
+            </a:ln>
+          </p:spPr>
+          <p:style>
+            <a:lnRef idx="2">
+              <a:schemeClr val="dk1"/>
+            </a:lnRef>
+            <a:fillRef idx="0">
+              <a:schemeClr val="dk1"/>
+            </a:fillRef>
+            <a:effectRef idx="1">
+              <a:schemeClr val="dk1"/>
+            </a:effectRef>
+            <a:fontRef idx="minor">
+              <a:schemeClr val="tx1"/>
+            </a:fontRef>
+          </p:style>
+        </p:cxnSp>
+        <p:cxnSp>
+          <p:nvCxnSpPr>
+            <p:cNvPr id="11" name="Straight Arrow Connector 10">
+              <a:extLst>
+                <a:ext uri="{FF2B5EF4-FFF2-40B4-BE49-F238E27FC236}">
+                  <a16:creationId xmlns:a16="http://schemas.microsoft.com/office/drawing/2014/main" id="{2DE20CA2-AE9C-8147-A3DE-F7D31AFA9B1D}"/>
+                </a:ext>
+              </a:extLst>
+            </p:cNvPr>
+            <p:cNvCxnSpPr/>
+            <p:nvPr/>
+          </p:nvCxnSpPr>
+          <p:spPr>
+            <a:xfrm>
+              <a:off x="6400800" y="2133600"/>
+              <a:ext cx="0" cy="762000"/>
+            </a:xfrm>
+            <a:prstGeom prst="straightConnector1">
+              <a:avLst/>
+            </a:prstGeom>
+            <a:grpFill/>
+            <a:ln w="28575">
+              <a:prstDash val="dash"/>
+              <a:tailEnd type="triangle"/>
+            </a:ln>
+          </p:spPr>
+          <p:style>
+            <a:lnRef idx="2">
+              <a:schemeClr val="dk1"/>
+            </a:lnRef>
+            <a:fillRef idx="0">
+              <a:schemeClr val="dk1"/>
+            </a:fillRef>
+            <a:effectRef idx="1">
+              <a:schemeClr val="dk1"/>
+            </a:effectRef>
+            <a:fontRef idx="minor">
+              <a:schemeClr val="tx1"/>
+            </a:fontRef>
+          </p:style>
+        </p:cxnSp>
+        <p:cxnSp>
+          <p:nvCxnSpPr>
+            <p:cNvPr id="12" name="Straight Arrow Connector 11">
+              <a:extLst>
+                <a:ext uri="{FF2B5EF4-FFF2-40B4-BE49-F238E27FC236}">
+                  <a16:creationId xmlns:a16="http://schemas.microsoft.com/office/drawing/2014/main" id="{9C3DF0B9-6074-3B42-AF92-873543792E04}"/>
+                </a:ext>
+              </a:extLst>
+            </p:cNvPr>
+            <p:cNvCxnSpPr/>
+            <p:nvPr/>
+          </p:nvCxnSpPr>
+          <p:spPr>
+            <a:xfrm>
+              <a:off x="6553200" y="2133600"/>
+              <a:ext cx="0" cy="762000"/>
+            </a:xfrm>
+            <a:prstGeom prst="straightConnector1">
+              <a:avLst/>
+            </a:prstGeom>
+            <a:grpFill/>
+            <a:ln w="28575">
+              <a:prstDash val="dash"/>
+              <a:tailEnd type="triangle"/>
+            </a:ln>
+          </p:spPr>
+          <p:style>
+            <a:lnRef idx="2">
+              <a:schemeClr val="dk1"/>
+            </a:lnRef>
+            <a:fillRef idx="0">
+              <a:schemeClr val="dk1"/>
+            </a:fillRef>
+            <a:effectRef idx="1">
+              <a:schemeClr val="dk1"/>
+            </a:effectRef>
+            <a:fontRef idx="minor">
+              <a:schemeClr val="tx1"/>
+            </a:fontRef>
+          </p:style>
+        </p:cxnSp>
+        <p:cxnSp>
+          <p:nvCxnSpPr>
+            <p:cNvPr id="13" name="Straight Arrow Connector 12">
+              <a:extLst>
+                <a:ext uri="{FF2B5EF4-FFF2-40B4-BE49-F238E27FC236}">
+                  <a16:creationId xmlns:a16="http://schemas.microsoft.com/office/drawing/2014/main" id="{AB6271AD-E777-D54A-9513-E2A82F05504F}"/>
+                </a:ext>
+              </a:extLst>
+            </p:cNvPr>
+            <p:cNvCxnSpPr/>
+            <p:nvPr/>
+          </p:nvCxnSpPr>
+          <p:spPr>
+            <a:xfrm>
+              <a:off x="6705600" y="2133600"/>
+              <a:ext cx="0" cy="762000"/>
+            </a:xfrm>
+            <a:prstGeom prst="straightConnector1">
+              <a:avLst/>
+            </a:prstGeom>
+            <a:grpFill/>
+            <a:ln w="28575">
+              <a:prstDash val="dash"/>
+              <a:tailEnd type="triangle"/>
+            </a:ln>
+          </p:spPr>
+          <p:style>
+            <a:lnRef idx="2">
+              <a:schemeClr val="dk1"/>
+            </a:lnRef>
+            <a:fillRef idx="0">
+              <a:schemeClr val="dk1"/>
+            </a:fillRef>
+            <a:effectRef idx="1">
+              <a:schemeClr val="dk1"/>
+            </a:effectRef>
+            <a:fontRef idx="minor">
+              <a:schemeClr val="tx1"/>
+            </a:fontRef>
+          </p:style>
+        </p:cxnSp>
+      </p:grpSp>
+      <p:sp>
+        <p:nvSpPr>
+          <p:cNvPr id="14" name="TextBox 13">
+            <a:extLst>
+              <a:ext uri="{FF2B5EF4-FFF2-40B4-BE49-F238E27FC236}">
+                <a16:creationId xmlns:a16="http://schemas.microsoft.com/office/drawing/2014/main" id="{BEC6383C-CF99-294B-A61E-782F02B28069}"/>
+              </a:ext>
+            </a:extLst>
+          </p:cNvPr>
+          <p:cNvSpPr txBox="1"/>
+          <p:nvPr/>
+        </p:nvSpPr>
+        <p:spPr>
+          <a:xfrm>
+            <a:off x="2668844" y="4848912"/>
+            <a:ext cx="3418447" cy="369332"/>
+          </a:xfrm>
+          <a:prstGeom prst="rect">
+            <a:avLst/>
+          </a:prstGeom>
+          <a:noFill/>
+          <a:ln>
+            <a:solidFill>
+              <a:schemeClr val="accent1"/>
+            </a:solidFill>
+          </a:ln>
+        </p:spPr>
+        <p:style>
+          <a:lnRef idx="2">
+            <a:schemeClr val="accent1"/>
+          </a:lnRef>
+          <a:fillRef idx="1">
+            <a:schemeClr val="lt1"/>
+          </a:fillRef>
+          <a:effectRef idx="0">
+            <a:schemeClr val="accent1"/>
+          </a:effectRef>
+          <a:fontRef idx="minor">
+            <a:schemeClr val="dk1"/>
+          </a:fontRef>
+        </p:style>
+        <p:txBody>
+          <a:bodyPr wrap="square" rtlCol="0">
+            <a:spAutoFit/>
+          </a:bodyPr>
+          <a:lstStyle/>
+          <a:p>
+            <a:r>
+              <a:rPr lang="en-US" b="1" dirty="0">
+                <a:solidFill>
+                  <a:srgbClr val="0070C0"/>
+                </a:solidFill>
+              </a:rPr>
+              <a:t>Virtual material testing data</a:t>
+            </a:r>
+          </a:p>
+        </p:txBody>
+      </p:sp>
+      <p:grpSp>
+        <p:nvGrpSpPr>
+          <p:cNvPr id="15" name="Group 14">
+            <a:extLst>
+              <a:ext uri="{FF2B5EF4-FFF2-40B4-BE49-F238E27FC236}">
+                <a16:creationId xmlns:a16="http://schemas.microsoft.com/office/drawing/2014/main" id="{AC9A08A2-7916-8843-937E-7100C2E7D18B}"/>
+              </a:ext>
+            </a:extLst>
+          </p:cNvPr>
+          <p:cNvGrpSpPr/>
+          <p:nvPr/>
+        </p:nvGrpSpPr>
+        <p:grpSpPr>
+          <a:xfrm>
+            <a:off x="3985316" y="2049193"/>
+            <a:ext cx="457200" cy="917754"/>
+            <a:chOff x="6248400" y="2133600"/>
+            <a:chExt cx="457200" cy="762000"/>
+          </a:xfrm>
+          <a:noFill/>
+        </p:grpSpPr>
+        <p:cxnSp>
+          <p:nvCxnSpPr>
+            <p:cNvPr id="16" name="Straight Arrow Connector 15">
+              <a:extLst>
+                <a:ext uri="{FF2B5EF4-FFF2-40B4-BE49-F238E27FC236}">
+                  <a16:creationId xmlns:a16="http://schemas.microsoft.com/office/drawing/2014/main" id="{6F3930DF-C085-0847-BF01-DA4867E68298}"/>
+                </a:ext>
+              </a:extLst>
+            </p:cNvPr>
+            <p:cNvCxnSpPr/>
+            <p:nvPr/>
+          </p:nvCxnSpPr>
+          <p:spPr>
+            <a:xfrm>
+              <a:off x="6248400" y="2133600"/>
+              <a:ext cx="0" cy="762000"/>
+            </a:xfrm>
+            <a:prstGeom prst="straightConnector1">
+              <a:avLst/>
+            </a:prstGeom>
+            <a:grpFill/>
+            <a:ln w="28575">
+              <a:tailEnd type="triangle"/>
+            </a:ln>
+          </p:spPr>
+          <p:style>
+            <a:lnRef idx="2">
+              <a:schemeClr val="dk1"/>
+            </a:lnRef>
+            <a:fillRef idx="0">
+              <a:schemeClr val="dk1"/>
+            </a:fillRef>
+            <a:effectRef idx="1">
+              <a:schemeClr val="dk1"/>
+            </a:effectRef>
+            <a:fontRef idx="minor">
+              <a:schemeClr val="tx1"/>
+            </a:fontRef>
+          </p:style>
+        </p:cxnSp>
+        <p:cxnSp>
+          <p:nvCxnSpPr>
+            <p:cNvPr id="17" name="Straight Arrow Connector 16">
+              <a:extLst>
+                <a:ext uri="{FF2B5EF4-FFF2-40B4-BE49-F238E27FC236}">
+                  <a16:creationId xmlns:a16="http://schemas.microsoft.com/office/drawing/2014/main" id="{333D4531-A908-514E-8C03-F94661F9715F}"/>
+                </a:ext>
+              </a:extLst>
+            </p:cNvPr>
+            <p:cNvCxnSpPr/>
+            <p:nvPr/>
+          </p:nvCxnSpPr>
+          <p:spPr>
+            <a:xfrm>
+              <a:off x="6400800" y="2133600"/>
+              <a:ext cx="0" cy="762000"/>
+            </a:xfrm>
+            <a:prstGeom prst="straightConnector1">
+              <a:avLst/>
+            </a:prstGeom>
+            <a:grpFill/>
+            <a:ln w="28575">
+              <a:prstDash val="dash"/>
+              <a:tailEnd type="triangle"/>
+            </a:ln>
+          </p:spPr>
+          <p:style>
+            <a:lnRef idx="2">
+              <a:schemeClr val="dk1"/>
+            </a:lnRef>
+            <a:fillRef idx="0">
+              <a:schemeClr val="dk1"/>
+            </a:fillRef>
+            <a:effectRef idx="1">
+              <a:schemeClr val="dk1"/>
+            </a:effectRef>
+            <a:fontRef idx="minor">
+              <a:schemeClr val="tx1"/>
+            </a:fontRef>
+          </p:style>
+        </p:cxnSp>
+        <p:cxnSp>
+          <p:nvCxnSpPr>
+            <p:cNvPr id="18" name="Straight Arrow Connector 17">
+              <a:extLst>
+                <a:ext uri="{FF2B5EF4-FFF2-40B4-BE49-F238E27FC236}">
+                  <a16:creationId xmlns:a16="http://schemas.microsoft.com/office/drawing/2014/main" id="{6E4D0BB8-D1EA-B34E-8938-ACA84FB0CBBE}"/>
+                </a:ext>
+              </a:extLst>
+            </p:cNvPr>
+            <p:cNvCxnSpPr/>
+            <p:nvPr/>
+          </p:nvCxnSpPr>
+          <p:spPr>
+            <a:xfrm>
+              <a:off x="6553200" y="2133600"/>
+              <a:ext cx="0" cy="762000"/>
+            </a:xfrm>
+            <a:prstGeom prst="straightConnector1">
+              <a:avLst/>
+            </a:prstGeom>
+            <a:grpFill/>
+            <a:ln w="28575">
+              <a:prstDash val="dash"/>
+              <a:tailEnd type="triangle"/>
+            </a:ln>
+          </p:spPr>
+          <p:style>
+            <a:lnRef idx="2">
+              <a:schemeClr val="dk1"/>
+            </a:lnRef>
+            <a:fillRef idx="0">
+              <a:schemeClr val="dk1"/>
+            </a:fillRef>
+            <a:effectRef idx="1">
+              <a:schemeClr val="dk1"/>
+            </a:effectRef>
+            <a:fontRef idx="minor">
+              <a:schemeClr val="tx1"/>
+            </a:fontRef>
+          </p:style>
+        </p:cxnSp>
+        <p:cxnSp>
+          <p:nvCxnSpPr>
+            <p:cNvPr id="19" name="Straight Arrow Connector 18">
+              <a:extLst>
+                <a:ext uri="{FF2B5EF4-FFF2-40B4-BE49-F238E27FC236}">
+                  <a16:creationId xmlns:a16="http://schemas.microsoft.com/office/drawing/2014/main" id="{CB8F1B95-42E0-0C4E-8072-ADC9518601ED}"/>
+                </a:ext>
+              </a:extLst>
+            </p:cNvPr>
+            <p:cNvCxnSpPr/>
+            <p:nvPr/>
+          </p:nvCxnSpPr>
+          <p:spPr>
+            <a:xfrm>
+              <a:off x="6705600" y="2133600"/>
+              <a:ext cx="0" cy="762000"/>
+            </a:xfrm>
+            <a:prstGeom prst="straightConnector1">
+              <a:avLst/>
+            </a:prstGeom>
+            <a:grpFill/>
+            <a:ln w="28575">
+              <a:prstDash val="dash"/>
+              <a:tailEnd type="triangle"/>
+            </a:ln>
+          </p:spPr>
+          <p:style>
+            <a:lnRef idx="2">
+              <a:schemeClr val="dk1"/>
+            </a:lnRef>
+            <a:fillRef idx="0">
+              <a:schemeClr val="dk1"/>
+            </a:fillRef>
+            <a:effectRef idx="1">
+              <a:schemeClr val="dk1"/>
+            </a:effectRef>
+            <a:fontRef idx="minor">
+              <a:schemeClr val="tx1"/>
+            </a:fontRef>
+          </p:style>
+        </p:cxnSp>
+      </p:grpSp>
+      <p:grpSp>
+        <p:nvGrpSpPr>
+          <p:cNvPr id="20" name="Group 19">
+            <a:extLst>
+              <a:ext uri="{FF2B5EF4-FFF2-40B4-BE49-F238E27FC236}">
+                <a16:creationId xmlns:a16="http://schemas.microsoft.com/office/drawing/2014/main" id="{D804806C-8F95-B940-BE8F-D820A084D894}"/>
+              </a:ext>
+            </a:extLst>
+          </p:cNvPr>
+          <p:cNvGrpSpPr/>
+          <p:nvPr/>
+        </p:nvGrpSpPr>
+        <p:grpSpPr>
+          <a:xfrm>
+            <a:off x="2402840" y="775289"/>
+            <a:ext cx="7374835" cy="1358896"/>
+            <a:chOff x="756920" y="1000977"/>
+            <a:chExt cx="7374835" cy="1358896"/>
+          </a:xfrm>
+          <a:noFill/>
+        </p:grpSpPr>
+        <p:sp>
+          <p:nvSpPr>
+            <p:cNvPr id="21" name="TextBox 20">
+              <a:extLst>
+                <a:ext uri="{FF2B5EF4-FFF2-40B4-BE49-F238E27FC236}">
+                  <a16:creationId xmlns:a16="http://schemas.microsoft.com/office/drawing/2014/main" id="{D8C29DD7-20AF-754C-A794-7E096D59635D}"/>
+                </a:ext>
+              </a:extLst>
+            </p:cNvPr>
+            <p:cNvSpPr txBox="1"/>
+            <p:nvPr/>
+          </p:nvSpPr>
+          <p:spPr>
+            <a:xfrm>
+              <a:off x="1205619" y="1570022"/>
+              <a:ext cx="1374909" cy="584775"/>
+            </a:xfrm>
+            <a:prstGeom prst="rect">
+              <a:avLst/>
+            </a:prstGeom>
+            <a:grpFill/>
+          </p:spPr>
+          <p:style>
+            <a:lnRef idx="2">
+              <a:schemeClr val="dk1"/>
+            </a:lnRef>
+            <a:fillRef idx="1">
+              <a:schemeClr val="lt1"/>
+            </a:fillRef>
+            <a:effectRef idx="0">
+              <a:schemeClr val="dk1"/>
+            </a:effectRef>
+            <a:fontRef idx="minor">
+              <a:schemeClr val="dk1"/>
+            </a:fontRef>
+          </p:style>
+          <p:txBody>
+            <a:bodyPr wrap="square" rtlCol="0">
+              <a:spAutoFit/>
+            </a:bodyPr>
+            <a:lstStyle/>
+            <a:p>
+              <a:r>
+                <a:rPr lang="en-US" sz="1600" dirty="0"/>
+                <a:t>Material properties</a:t>
+              </a:r>
+            </a:p>
+          </p:txBody>
+        </p:sp>
+        <p:sp>
+          <p:nvSpPr>
+            <p:cNvPr id="22" name="TextBox 21">
+              <a:extLst>
+                <a:ext uri="{FF2B5EF4-FFF2-40B4-BE49-F238E27FC236}">
+                  <a16:creationId xmlns:a16="http://schemas.microsoft.com/office/drawing/2014/main" id="{386CB2B2-987F-A141-927D-8E879B3CCF56}"/>
+                </a:ext>
+              </a:extLst>
+            </p:cNvPr>
+            <p:cNvSpPr txBox="1"/>
+            <p:nvPr/>
+          </p:nvSpPr>
+          <p:spPr>
+            <a:xfrm>
+              <a:off x="3309950" y="1570021"/>
+              <a:ext cx="1292092" cy="584775"/>
+            </a:xfrm>
+            <a:prstGeom prst="rect">
+              <a:avLst/>
+            </a:prstGeom>
+            <a:grpFill/>
+          </p:spPr>
+          <p:style>
+            <a:lnRef idx="2">
+              <a:schemeClr val="dk1"/>
+            </a:lnRef>
+            <a:fillRef idx="1">
+              <a:schemeClr val="lt1"/>
+            </a:fillRef>
+            <a:effectRef idx="0">
+              <a:schemeClr val="dk1"/>
+            </a:effectRef>
+            <a:fontRef idx="minor">
+              <a:schemeClr val="dk1"/>
+            </a:fontRef>
+          </p:style>
+          <p:txBody>
+            <a:bodyPr wrap="square" rtlCol="0">
+              <a:spAutoFit/>
+            </a:bodyPr>
+            <a:lstStyle/>
+            <a:p>
+              <a:r>
+                <a:rPr lang="en-US" sz="1600" dirty="0"/>
+                <a:t>RVE Geometry</a:t>
+              </a:r>
+            </a:p>
+          </p:txBody>
+        </p:sp>
+        <p:sp>
+          <p:nvSpPr>
+            <p:cNvPr id="23" name="TextBox 22">
+              <a:extLst>
+                <a:ext uri="{FF2B5EF4-FFF2-40B4-BE49-F238E27FC236}">
+                  <a16:creationId xmlns:a16="http://schemas.microsoft.com/office/drawing/2014/main" id="{8C325CF9-33FA-EA4C-9D6B-7365CFF95C88}"/>
+                </a:ext>
+              </a:extLst>
+            </p:cNvPr>
+            <p:cNvSpPr txBox="1"/>
+            <p:nvPr/>
+          </p:nvSpPr>
+          <p:spPr>
+            <a:xfrm>
+              <a:off x="5258464" y="1561055"/>
+              <a:ext cx="2147294" cy="584775"/>
+            </a:xfrm>
+            <a:prstGeom prst="rect">
+              <a:avLst/>
+            </a:prstGeom>
+            <a:grpFill/>
+          </p:spPr>
+          <p:style>
+            <a:lnRef idx="2">
+              <a:schemeClr val="dk1"/>
+            </a:lnRef>
+            <a:fillRef idx="1">
+              <a:schemeClr val="lt1"/>
+            </a:fillRef>
+            <a:effectRef idx="0">
+              <a:schemeClr val="dk1"/>
+            </a:effectRef>
+            <a:fontRef idx="minor">
+              <a:schemeClr val="dk1"/>
+            </a:fontRef>
+          </p:style>
+          <p:txBody>
+            <a:bodyPr wrap="square" rtlCol="0">
+              <a:spAutoFit/>
+            </a:bodyPr>
+            <a:lstStyle/>
+            <a:p>
+              <a:r>
+                <a:rPr lang="en-US" sz="1600" dirty="0"/>
+                <a:t>Boundary conditions </a:t>
+              </a:r>
+            </a:p>
+            <a:p>
+              <a:r>
+                <a:rPr lang="en-US" sz="1600" dirty="0"/>
+                <a:t>&amp; Loading paths</a:t>
+              </a:r>
+            </a:p>
+          </p:txBody>
+        </p:sp>
+        <p:sp>
+          <p:nvSpPr>
+            <p:cNvPr id="24" name="TextBox 23">
+              <a:extLst>
+                <a:ext uri="{FF2B5EF4-FFF2-40B4-BE49-F238E27FC236}">
+                  <a16:creationId xmlns:a16="http://schemas.microsoft.com/office/drawing/2014/main" id="{F6D73A92-B601-1F48-86A9-3DB186245B7F}"/>
+                </a:ext>
+              </a:extLst>
+            </p:cNvPr>
+            <p:cNvSpPr txBox="1"/>
+            <p:nvPr/>
+          </p:nvSpPr>
+          <p:spPr>
+            <a:xfrm>
+              <a:off x="2796432" y="1631575"/>
+              <a:ext cx="370614" cy="461665"/>
+            </a:xfrm>
+            <a:prstGeom prst="rect">
+              <a:avLst/>
+            </a:prstGeom>
+            <a:grpFill/>
+          </p:spPr>
+          <p:txBody>
+            <a:bodyPr wrap="none" rtlCol="0">
+              <a:spAutoFit/>
+            </a:bodyPr>
+            <a:lstStyle/>
+            <a:p>
+              <a:r>
+                <a:rPr lang="en-US" sz="2400" dirty="0"/>
+                <a:t>+</a:t>
+              </a:r>
+            </a:p>
+          </p:txBody>
+        </p:sp>
+        <p:sp>
+          <p:nvSpPr>
+            <p:cNvPr id="25" name="TextBox 24">
+              <a:extLst>
+                <a:ext uri="{FF2B5EF4-FFF2-40B4-BE49-F238E27FC236}">
+                  <a16:creationId xmlns:a16="http://schemas.microsoft.com/office/drawing/2014/main" id="{EE1C1AD1-C1FA-C649-9A78-2F66D7BB3A2E}"/>
+                </a:ext>
+              </a:extLst>
+            </p:cNvPr>
+            <p:cNvSpPr txBox="1"/>
+            <p:nvPr/>
+          </p:nvSpPr>
+          <p:spPr>
+            <a:xfrm>
+              <a:off x="4788177" y="1631575"/>
+              <a:ext cx="370614" cy="461665"/>
+            </a:xfrm>
+            <a:prstGeom prst="rect">
+              <a:avLst/>
+            </a:prstGeom>
+            <a:grpFill/>
+          </p:spPr>
+          <p:txBody>
+            <a:bodyPr wrap="none" rtlCol="0">
+              <a:spAutoFit/>
+            </a:bodyPr>
+            <a:lstStyle/>
+            <a:p>
+              <a:r>
+                <a:rPr lang="en-US" sz="2400" dirty="0"/>
+                <a:t>+</a:t>
+              </a:r>
+            </a:p>
+          </p:txBody>
+        </p:sp>
+        <p:sp>
+          <p:nvSpPr>
+            <p:cNvPr id="26" name="TextBox 25">
+              <a:extLst>
+                <a:ext uri="{FF2B5EF4-FFF2-40B4-BE49-F238E27FC236}">
+                  <a16:creationId xmlns:a16="http://schemas.microsoft.com/office/drawing/2014/main" id="{976B76B2-3CCB-D74C-8AF9-09317738F9F8}"/>
+                </a:ext>
+              </a:extLst>
+            </p:cNvPr>
+            <p:cNvSpPr txBox="1"/>
+            <p:nvPr/>
+          </p:nvSpPr>
+          <p:spPr>
+            <a:xfrm>
+              <a:off x="1999099" y="1081155"/>
+              <a:ext cx="4890476" cy="369332"/>
+            </a:xfrm>
+            <a:prstGeom prst="rect">
+              <a:avLst/>
+            </a:prstGeom>
+            <a:grpFill/>
+            <a:ln>
+              <a:noFill/>
+              <a:prstDash val="dash"/>
+            </a:ln>
+          </p:spPr>
+          <p:style>
+            <a:lnRef idx="2">
+              <a:schemeClr val="dk1"/>
+            </a:lnRef>
+            <a:fillRef idx="1">
+              <a:schemeClr val="lt1"/>
+            </a:fillRef>
+            <a:effectRef idx="0">
+              <a:schemeClr val="dk1"/>
+            </a:effectRef>
+            <a:fontRef idx="minor">
+              <a:schemeClr val="dk1"/>
+            </a:fontRef>
+          </p:style>
+          <p:txBody>
+            <a:bodyPr wrap="square" rtlCol="0">
+              <a:spAutoFit/>
+            </a:bodyPr>
+            <a:lstStyle/>
+            <a:p>
+              <a:r>
+                <a:rPr lang="en-US" b="1" dirty="0">
+                  <a:solidFill>
+                    <a:schemeClr val="accent2"/>
+                  </a:solidFill>
+                </a:rPr>
+                <a:t>RVE Preprocessing tools: </a:t>
+              </a:r>
+              <a:r>
+                <a:rPr lang="en-US" dirty="0"/>
+                <a:t>design of experiment</a:t>
+              </a:r>
+              <a:endParaRPr lang="en-US" b="1" dirty="0">
+                <a:solidFill>
+                  <a:schemeClr val="accent2"/>
+                </a:solidFill>
+              </a:endParaRPr>
+            </a:p>
+          </p:txBody>
+        </p:sp>
+        <p:sp>
+          <p:nvSpPr>
+            <p:cNvPr id="27" name="Rectangle 26">
+              <a:extLst>
+                <a:ext uri="{FF2B5EF4-FFF2-40B4-BE49-F238E27FC236}">
+                  <a16:creationId xmlns:a16="http://schemas.microsoft.com/office/drawing/2014/main" id="{E4E17E37-E6ED-F84B-9040-1DF6436BDD64}"/>
+                </a:ext>
+              </a:extLst>
+            </p:cNvPr>
+            <p:cNvSpPr/>
+            <p:nvPr/>
+          </p:nvSpPr>
+          <p:spPr>
+            <a:xfrm>
+              <a:off x="756920" y="1000977"/>
+              <a:ext cx="7374835" cy="1358896"/>
+            </a:xfrm>
+            <a:prstGeom prst="rect">
+              <a:avLst/>
+            </a:prstGeom>
+            <a:grpFill/>
+            <a:ln>
+              <a:prstDash val="dash"/>
+            </a:ln>
+          </p:spPr>
+          <p:style>
+            <a:lnRef idx="2">
+              <a:schemeClr val="dk1"/>
+            </a:lnRef>
+            <a:fillRef idx="1">
+              <a:schemeClr val="lt1"/>
+            </a:fillRef>
+            <a:effectRef idx="0">
+              <a:schemeClr val="dk1"/>
+            </a:effectRef>
+            <a:fontRef idx="minor">
+              <a:schemeClr val="dk1"/>
+            </a:fontRef>
+          </p:style>
+          <p:txBody>
+            <a:bodyPr rtlCol="0" anchor="ctr"/>
+            <a:lstStyle/>
+            <a:p>
+              <a:pPr algn="ctr"/>
+              <a:endParaRPr lang="en-US"/>
+            </a:p>
+          </p:txBody>
+        </p:sp>
+      </p:grpSp>
+      <p:sp>
+        <p:nvSpPr>
+          <p:cNvPr id="28" name="TextBox 27">
+            <a:extLst>
+              <a:ext uri="{FF2B5EF4-FFF2-40B4-BE49-F238E27FC236}">
+                <a16:creationId xmlns:a16="http://schemas.microsoft.com/office/drawing/2014/main" id="{A7217BA1-DD0F-DD40-830B-5185FC444CD6}"/>
+              </a:ext>
+            </a:extLst>
+          </p:cNvPr>
+          <p:cNvSpPr txBox="1"/>
+          <p:nvPr/>
+        </p:nvSpPr>
+        <p:spPr>
+          <a:xfrm>
+            <a:off x="7339721" y="4992557"/>
+            <a:ext cx="2581801" cy="646331"/>
+          </a:xfrm>
+          <a:prstGeom prst="rect">
+            <a:avLst/>
+          </a:prstGeom>
+          <a:noFill/>
+        </p:spPr>
+        <p:style>
+          <a:lnRef idx="2">
+            <a:schemeClr val="dk1"/>
+          </a:lnRef>
+          <a:fillRef idx="1">
+            <a:schemeClr val="lt1"/>
+          </a:fillRef>
+          <a:effectRef idx="0">
+            <a:schemeClr val="dk1"/>
+          </a:effectRef>
+          <a:fontRef idx="minor">
+            <a:schemeClr val="dk1"/>
+          </a:fontRef>
+        </p:style>
+        <p:txBody>
+          <a:bodyPr wrap="square" rtlCol="0">
+            <a:spAutoFit/>
+          </a:bodyPr>
+          <a:lstStyle/>
+          <a:p>
+            <a:r>
+              <a:rPr lang="en-US" b="1" dirty="0"/>
+              <a:t>Machine learning for material modeling</a:t>
+            </a:r>
+          </a:p>
+        </p:txBody>
+      </p:sp>
+      <p:cxnSp>
+        <p:nvCxnSpPr>
+          <p:cNvPr id="29" name="Straight Arrow Connector 28">
+            <a:extLst>
+              <a:ext uri="{FF2B5EF4-FFF2-40B4-BE49-F238E27FC236}">
+                <a16:creationId xmlns:a16="http://schemas.microsoft.com/office/drawing/2014/main" id="{5D3CE0FA-CA57-564D-9277-B97E3EA99F82}"/>
+              </a:ext>
+            </a:extLst>
+          </p:cNvPr>
+          <p:cNvCxnSpPr>
+            <a:cxnSpLocks/>
+          </p:cNvCxnSpPr>
+          <p:nvPr/>
+        </p:nvCxnSpPr>
+        <p:spPr>
+          <a:xfrm flipV="1">
+            <a:off x="2098096" y="5723292"/>
+            <a:ext cx="580368" cy="1"/>
+          </a:xfrm>
+          <a:prstGeom prst="straightConnector1">
+            <a:avLst/>
+          </a:prstGeom>
+          <a:ln w="28575">
+            <a:prstDash val="solid"/>
+            <a:tailEnd type="triangle"/>
+          </a:ln>
+          <a:effectLst/>
+        </p:spPr>
+        <p:style>
+          <a:lnRef idx="2">
+            <a:schemeClr val="dk1"/>
+          </a:lnRef>
+          <a:fillRef idx="0">
+            <a:schemeClr val="dk1"/>
+          </a:fillRef>
+          <a:effectRef idx="1">
+            <a:schemeClr val="dk1"/>
+          </a:effectRef>
+          <a:fontRef idx="minor">
+            <a:schemeClr val="tx1"/>
+          </a:fontRef>
+        </p:style>
+      </p:cxnSp>
+      <p:cxnSp>
+        <p:nvCxnSpPr>
+          <p:cNvPr id="30" name="Elbow Connector 29">
+            <a:extLst>
+              <a:ext uri="{FF2B5EF4-FFF2-40B4-BE49-F238E27FC236}">
+                <a16:creationId xmlns:a16="http://schemas.microsoft.com/office/drawing/2014/main" id="{2D425658-B1B7-3741-A49E-5A052D0A1EA7}"/>
+              </a:ext>
+            </a:extLst>
+          </p:cNvPr>
+          <p:cNvCxnSpPr>
+            <a:cxnSpLocks/>
+            <a:stCxn id="14" idx="3"/>
+          </p:cNvCxnSpPr>
+          <p:nvPr/>
+        </p:nvCxnSpPr>
+        <p:spPr>
+          <a:xfrm>
+            <a:off x="6087291" y="5033578"/>
+            <a:ext cx="1177109" cy="215444"/>
+          </a:xfrm>
+          <a:prstGeom prst="bentConnector3">
+            <a:avLst>
+              <a:gd name="adj1" fmla="val 50000"/>
+            </a:avLst>
+          </a:prstGeom>
+          <a:ln w="28575">
+            <a:tailEnd type="triangle"/>
+          </a:ln>
+          <a:effectLst/>
+        </p:spPr>
+        <p:style>
+          <a:lnRef idx="2">
+            <a:schemeClr val="dk1"/>
+          </a:lnRef>
+          <a:fillRef idx="0">
+            <a:schemeClr val="dk1"/>
+          </a:fillRef>
+          <a:effectRef idx="1">
+            <a:schemeClr val="dk1"/>
+          </a:effectRef>
+          <a:fontRef idx="minor">
+            <a:schemeClr val="tx1"/>
+          </a:fontRef>
+        </p:style>
+      </p:cxnSp>
+      <p:cxnSp>
+        <p:nvCxnSpPr>
+          <p:cNvPr id="31" name="Elbow Connector 30">
+            <a:extLst>
+              <a:ext uri="{FF2B5EF4-FFF2-40B4-BE49-F238E27FC236}">
+                <a16:creationId xmlns:a16="http://schemas.microsoft.com/office/drawing/2014/main" id="{CB49CE91-8CE6-FB40-AAA0-AA5E6F76676E}"/>
+              </a:ext>
+            </a:extLst>
+          </p:cNvPr>
+          <p:cNvCxnSpPr>
+            <a:cxnSpLocks/>
+          </p:cNvCxnSpPr>
+          <p:nvPr/>
+        </p:nvCxnSpPr>
+        <p:spPr>
+          <a:xfrm flipV="1">
+            <a:off x="6087291" y="5383743"/>
+            <a:ext cx="1177109" cy="339549"/>
+          </a:xfrm>
+          <a:prstGeom prst="bentConnector3">
+            <a:avLst>
+              <a:gd name="adj1" fmla="val 50000"/>
+            </a:avLst>
+          </a:prstGeom>
+          <a:ln w="28575">
+            <a:prstDash val="solid"/>
+            <a:tailEnd type="triangle"/>
+          </a:ln>
+          <a:effectLst/>
+        </p:spPr>
+        <p:style>
+          <a:lnRef idx="2">
+            <a:schemeClr val="dk1"/>
+          </a:lnRef>
+          <a:fillRef idx="0">
+            <a:schemeClr val="dk1"/>
+          </a:fillRef>
+          <a:effectRef idx="1">
+            <a:schemeClr val="dk1"/>
+          </a:effectRef>
+          <a:fontRef idx="minor">
+            <a:schemeClr val="tx1"/>
+          </a:fontRef>
+        </p:style>
+      </p:cxnSp>
+      <p:sp>
+        <p:nvSpPr>
+          <p:cNvPr id="32" name="Rectangle 31">
+            <a:extLst>
+              <a:ext uri="{FF2B5EF4-FFF2-40B4-BE49-F238E27FC236}">
+                <a16:creationId xmlns:a16="http://schemas.microsoft.com/office/drawing/2014/main" id="{D8A33AEB-E3D5-A444-8BC7-3B686BDBFBEC}"/>
+              </a:ext>
+            </a:extLst>
+          </p:cNvPr>
+          <p:cNvSpPr/>
+          <p:nvPr/>
+        </p:nvSpPr>
+        <p:spPr>
+          <a:xfrm>
+            <a:off x="2402840" y="4371564"/>
+            <a:ext cx="7848600" cy="1695855"/>
+          </a:xfrm>
+          <a:prstGeom prst="rect">
+            <a:avLst/>
+          </a:prstGeom>
+          <a:noFill/>
+          <a:ln>
+            <a:prstDash val="dash"/>
+          </a:ln>
+        </p:spPr>
+        <p:style>
+          <a:lnRef idx="2">
+            <a:schemeClr val="dk1"/>
+          </a:lnRef>
+          <a:fillRef idx="1">
+            <a:schemeClr val="lt1"/>
+          </a:fillRef>
+          <a:effectRef idx="0">
+            <a:schemeClr val="dk1"/>
+          </a:effectRef>
+          <a:fontRef idx="minor">
+            <a:schemeClr val="dk1"/>
+          </a:fontRef>
+        </p:style>
+        <p:txBody>
+          <a:bodyPr rtlCol="0" anchor="ctr"/>
+          <a:lstStyle/>
+          <a:p>
+            <a:pPr algn="ctr"/>
+            <a:endParaRPr lang="en-US"/>
+          </a:p>
+        </p:txBody>
+      </p:sp>
+      <p:sp>
+        <p:nvSpPr>
+          <p:cNvPr id="33" name="TextBox 32">
+            <a:extLst>
+              <a:ext uri="{FF2B5EF4-FFF2-40B4-BE49-F238E27FC236}">
+                <a16:creationId xmlns:a16="http://schemas.microsoft.com/office/drawing/2014/main" id="{8AAB97A7-962E-BA47-86ED-811FEB8166EA}"/>
+              </a:ext>
+            </a:extLst>
+          </p:cNvPr>
+          <p:cNvSpPr txBox="1"/>
+          <p:nvPr/>
+        </p:nvSpPr>
+        <p:spPr>
+          <a:xfrm>
+            <a:off x="5153541" y="4429320"/>
+            <a:ext cx="1867499" cy="338554"/>
+          </a:xfrm>
+          <a:prstGeom prst="rect">
+            <a:avLst/>
+          </a:prstGeom>
+          <a:noFill/>
+        </p:spPr>
+        <p:txBody>
+          <a:bodyPr wrap="none" rtlCol="0">
+            <a:spAutoFit/>
+          </a:bodyPr>
+          <a:lstStyle/>
+          <a:p>
+            <a:r>
+              <a:rPr lang="en-US" altLang="zh-CN" sz="1600" dirty="0"/>
+              <a:t>Material informatics</a:t>
+            </a:r>
+            <a:endParaRPr lang="en-US" sz="1600" dirty="0"/>
+          </a:p>
+        </p:txBody>
+      </p:sp>
+      <p:sp>
+        <p:nvSpPr>
+          <p:cNvPr id="34" name="TextBox 33">
+            <a:extLst>
+              <a:ext uri="{FF2B5EF4-FFF2-40B4-BE49-F238E27FC236}">
+                <a16:creationId xmlns:a16="http://schemas.microsoft.com/office/drawing/2014/main" id="{28800509-7D91-DD4C-AD59-EB8C9977E27C}"/>
+              </a:ext>
+            </a:extLst>
+          </p:cNvPr>
+          <p:cNvSpPr txBox="1"/>
+          <p:nvPr/>
+        </p:nvSpPr>
+        <p:spPr>
+          <a:xfrm>
+            <a:off x="2668844" y="5538626"/>
+            <a:ext cx="3418447" cy="369332"/>
+          </a:xfrm>
+          <a:prstGeom prst="rect">
+            <a:avLst/>
+          </a:prstGeom>
+          <a:noFill/>
+          <a:ln>
+            <a:solidFill>
+              <a:srgbClr val="7030A0"/>
+            </a:solidFill>
+          </a:ln>
+        </p:spPr>
+        <p:style>
+          <a:lnRef idx="2">
+            <a:schemeClr val="accent1"/>
+          </a:lnRef>
+          <a:fillRef idx="1">
+            <a:schemeClr val="lt1"/>
+          </a:fillRef>
+          <a:effectRef idx="0">
+            <a:schemeClr val="accent1"/>
+          </a:effectRef>
+          <a:fontRef idx="minor">
+            <a:schemeClr val="dk1"/>
+          </a:fontRef>
+        </p:style>
+        <p:txBody>
+          <a:bodyPr wrap="square" rtlCol="0">
+            <a:spAutoFit/>
+          </a:bodyPr>
+          <a:lstStyle/>
+          <a:p>
+            <a:r>
+              <a:rPr lang="en-US" b="1" dirty="0">
+                <a:solidFill>
+                  <a:srgbClr val="7030A0"/>
+                </a:solidFill>
+              </a:rPr>
+              <a:t>Experimental testing data</a:t>
+            </a:r>
+          </a:p>
+        </p:txBody>
+      </p:sp>
+    </p:spTree>
+    <p:extLst>
+      <p:ext uri="{BB962C8B-B14F-4D97-AF65-F5344CB8AC3E}">
+        <p14:creationId xmlns:p14="http://schemas.microsoft.com/office/powerpoint/2010/main" val="1824590720"/>
+      </p:ext>
+    </p:extLst>
+  </p:cSld>
+  <p:clrMapOvr>
+    <a:masterClrMapping/>
+  </p:clrMapOvr>
+  <p:timing>
+    <p:tnLst>
+      <p:par>
+        <p:cTn id="1" dur="indefinite" restart="never" nodeType="tmRoot">
+          <p:childTnLst>
+            <p:seq concurrent="1" nextAc="seek">
+              <p:cTn id="2" dur="indefinite" nodeType="mainSeq">
+                <p:childTnLst>
+                  <p:par>
+                    <p:cTn id="3" fill="hold">
+                      <p:stCondLst>
+                        <p:cond delay="indefinite"/>
+                      </p:stCondLst>
+                      <p:childTnLst>
+                        <p:par>
+                          <p:cTn id="4" fill="hold">
+                            <p:stCondLst>
+                              <p:cond delay="0"/>
+                            </p:stCondLst>
+                            <p:childTnLst>
+                              <p:par>
+                                <p:cTn id="5" presetID="1" presetClass="entr" presetSubtype="0" fill="hold" nodeType="clickEffect">
+                                  <p:stCondLst>
+                                    <p:cond delay="0"/>
+                                  </p:stCondLst>
+                                  <p:childTnLst>
+                                    <p:set>
+                                      <p:cBhvr>
+                                        <p:cTn id="6" dur="1" fill="hold">
+                                          <p:stCondLst>
+                                            <p:cond delay="0"/>
+                                          </p:stCondLst>
+                                        </p:cTn>
+                                        <p:tgtEl>
+                                          <p:spTgt spid="4"/>
+                                        </p:tgtEl>
+                                        <p:attrNameLst>
+                                          <p:attrName>style.visibility</p:attrName>
+                                        </p:attrNameLst>
+                                      </p:cBhvr>
+                                      <p:to>
+                                        <p:strVal val="visible"/>
+                                      </p:to>
+                                    </p:set>
+                                  </p:childTnLst>
+                                </p:cTn>
+                              </p:par>
+                              <p:par>
+                                <p:cTn id="7" presetID="1" presetClass="entr" presetSubtype="0" fill="hold" nodeType="withEffect">
+                                  <p:stCondLst>
+                                    <p:cond delay="0"/>
+                                  </p:stCondLst>
+                                  <p:childTnLst>
+                                    <p:set>
+                                      <p:cBhvr>
+                                        <p:cTn id="8" dur="1" fill="hold">
+                                          <p:stCondLst>
+                                            <p:cond delay="0"/>
+                                          </p:stCondLst>
+                                        </p:cTn>
+                                        <p:tgtEl>
+                                          <p:spTgt spid="15"/>
+                                        </p:tgtEl>
+                                        <p:attrNameLst>
+                                          <p:attrName>style.visibility</p:attrName>
+                                        </p:attrNameLst>
+                                      </p:cBhvr>
+                                      <p:to>
+                                        <p:strVal val="visible"/>
+                                      </p:to>
+                                    </p:set>
+                                  </p:childTnLst>
+                                </p:cTn>
+                              </p:par>
+                            </p:childTnLst>
+                          </p:cTn>
+                        </p:par>
+                      </p:childTnLst>
+                    </p:cTn>
+                  </p:par>
+                  <p:par>
+                    <p:cTn id="9" fill="hold">
+                      <p:stCondLst>
+                        <p:cond delay="indefinite"/>
+                      </p:stCondLst>
+                      <p:childTnLst>
+                        <p:par>
+                          <p:cTn id="10" fill="hold">
+                            <p:stCondLst>
+                              <p:cond delay="0"/>
+                            </p:stCondLst>
+                            <p:childTnLst>
+                              <p:par>
+                                <p:cTn id="11" presetID="1" presetClass="entr" presetSubtype="0" fill="hold" nodeType="clickEffect">
+                                  <p:stCondLst>
+                                    <p:cond delay="0"/>
+                                  </p:stCondLst>
+                                  <p:childTnLst>
+                                    <p:set>
+                                      <p:cBhvr>
+                                        <p:cTn id="12" dur="1" fill="hold">
+                                          <p:stCondLst>
+                                            <p:cond delay="0"/>
+                                          </p:stCondLst>
+                                        </p:cTn>
+                                        <p:tgtEl>
+                                          <p:spTgt spid="9"/>
+                                        </p:tgtEl>
+                                        <p:attrNameLst>
+                                          <p:attrName>style.visibility</p:attrName>
+                                        </p:attrNameLst>
+                                      </p:cBhvr>
+                                      <p:to>
+                                        <p:strVal val="visible"/>
+                                      </p:to>
+                                    </p:set>
+                                  </p:childTnLst>
+                                </p:cTn>
+                              </p:par>
+                              <p:par>
+                                <p:cTn id="13" presetID="1" presetClass="entr" presetSubtype="0" fill="hold" grpId="0" nodeType="withEffect">
+                                  <p:stCondLst>
+                                    <p:cond delay="0"/>
+                                  </p:stCondLst>
+                                  <p:childTnLst>
+                                    <p:set>
+                                      <p:cBhvr>
+                                        <p:cTn id="14" dur="1" fill="hold">
+                                          <p:stCondLst>
+                                            <p:cond delay="0"/>
+                                          </p:stCondLst>
+                                        </p:cTn>
+                                        <p:tgtEl>
+                                          <p:spTgt spid="14"/>
+                                        </p:tgtEl>
+                                        <p:attrNameLst>
+                                          <p:attrName>style.visibility</p:attrName>
+                                        </p:attrNameLst>
+                                      </p:cBhvr>
+                                      <p:to>
+                                        <p:strVal val="visible"/>
+                                      </p:to>
+                                    </p:set>
+                                  </p:childTnLst>
+                                </p:cTn>
+                              </p:par>
+                              <p:par>
+                                <p:cTn id="15" presetID="1" presetClass="entr" presetSubtype="0" fill="hold" grpId="0" nodeType="withEffect">
+                                  <p:stCondLst>
+                                    <p:cond delay="0"/>
+                                  </p:stCondLst>
+                                  <p:childTnLst>
+                                    <p:set>
+                                      <p:cBhvr>
+                                        <p:cTn id="16" dur="1" fill="hold">
+                                          <p:stCondLst>
+                                            <p:cond delay="0"/>
+                                          </p:stCondLst>
+                                        </p:cTn>
+                                        <p:tgtEl>
+                                          <p:spTgt spid="33"/>
+                                        </p:tgtEl>
+                                        <p:attrNameLst>
+                                          <p:attrName>style.visibility</p:attrName>
+                                        </p:attrNameLst>
+                                      </p:cBhvr>
+                                      <p:to>
+                                        <p:strVal val="visible"/>
+                                      </p:to>
+                                    </p:set>
+                                  </p:childTnLst>
+                                </p:cTn>
+                              </p:par>
+                              <p:par>
+                                <p:cTn id="17" presetID="1" presetClass="entr" presetSubtype="0" fill="hold" grpId="0" nodeType="withEffect">
+                                  <p:stCondLst>
+                                    <p:cond delay="0"/>
+                                  </p:stCondLst>
+                                  <p:childTnLst>
+                                    <p:set>
+                                      <p:cBhvr>
+                                        <p:cTn id="18" dur="1" fill="hold">
+                                          <p:stCondLst>
+                                            <p:cond delay="0"/>
+                                          </p:stCondLst>
+                                        </p:cTn>
+                                        <p:tgtEl>
+                                          <p:spTgt spid="32"/>
+                                        </p:tgtEl>
+                                        <p:attrNameLst>
+                                          <p:attrName>style.visibility</p:attrName>
+                                        </p:attrNameLst>
+                                      </p:cBhvr>
+                                      <p:to>
+                                        <p:strVal val="visible"/>
+                                      </p:to>
+                                    </p:set>
+                                  </p:childTnLst>
+                                </p:cTn>
+                              </p:par>
+                            </p:childTnLst>
+                          </p:cTn>
+                        </p:par>
+                      </p:childTnLst>
+                    </p:cTn>
+                  </p:par>
+                  <p:par>
+                    <p:cTn id="19" fill="hold">
+                      <p:stCondLst>
+                        <p:cond delay="indefinite"/>
+                      </p:stCondLst>
+                      <p:childTnLst>
+                        <p:par>
+                          <p:cTn id="20" fill="hold">
+                            <p:stCondLst>
+                              <p:cond delay="0"/>
+                            </p:stCondLst>
+                            <p:childTnLst>
+                              <p:par>
+                                <p:cTn id="21" presetID="2" presetClass="entr" presetSubtype="8" fill="hold" nodeType="clickEffect">
+                                  <p:stCondLst>
+                                    <p:cond delay="0"/>
+                                  </p:stCondLst>
+                                  <p:childTnLst>
+                                    <p:set>
+                                      <p:cBhvr>
+                                        <p:cTn id="22" dur="1" fill="hold">
+                                          <p:stCondLst>
+                                            <p:cond delay="0"/>
+                                          </p:stCondLst>
+                                        </p:cTn>
+                                        <p:tgtEl>
+                                          <p:spTgt spid="29"/>
+                                        </p:tgtEl>
+                                        <p:attrNameLst>
+                                          <p:attrName>style.visibility</p:attrName>
+                                        </p:attrNameLst>
+                                      </p:cBhvr>
+                                      <p:to>
+                                        <p:strVal val="visible"/>
+                                      </p:to>
+                                    </p:set>
+                                    <p:anim calcmode="lin" valueType="num">
+                                      <p:cBhvr additive="base">
+                                        <p:cTn id="23" dur="500" fill="hold"/>
+                                        <p:tgtEl>
+                                          <p:spTgt spid="29"/>
+                                        </p:tgtEl>
+                                        <p:attrNameLst>
+                                          <p:attrName>ppt_x</p:attrName>
+                                        </p:attrNameLst>
+                                      </p:cBhvr>
+                                      <p:tavLst>
+                                        <p:tav tm="0">
+                                          <p:val>
+                                            <p:strVal val="0-#ppt_w/2"/>
+                                          </p:val>
+                                        </p:tav>
+                                        <p:tav tm="100000">
+                                          <p:val>
+                                            <p:strVal val="#ppt_x"/>
+                                          </p:val>
+                                        </p:tav>
+                                      </p:tavLst>
+                                    </p:anim>
+                                    <p:anim calcmode="lin" valueType="num">
+                                      <p:cBhvr additive="base">
+                                        <p:cTn id="24" dur="500" fill="hold"/>
+                                        <p:tgtEl>
+                                          <p:spTgt spid="29"/>
+                                        </p:tgtEl>
+                                        <p:attrNameLst>
+                                          <p:attrName>ppt_y</p:attrName>
+                                        </p:attrNameLst>
+                                      </p:cBhvr>
+                                      <p:tavLst>
+                                        <p:tav tm="0">
+                                          <p:val>
+                                            <p:strVal val="#ppt_y"/>
+                                          </p:val>
+                                        </p:tav>
+                                        <p:tav tm="100000">
+                                          <p:val>
+                                            <p:strVal val="#ppt_y"/>
+                                          </p:val>
+                                        </p:tav>
+                                      </p:tavLst>
+                                    </p:anim>
+                                  </p:childTnLst>
+                                </p:cTn>
+                              </p:par>
+                              <p:par>
+                                <p:cTn id="25" presetID="2" presetClass="entr" presetSubtype="8" fill="hold" grpId="0" nodeType="withEffect">
+                                  <p:stCondLst>
+                                    <p:cond delay="0"/>
+                                  </p:stCondLst>
+                                  <p:childTnLst>
+                                    <p:set>
+                                      <p:cBhvr>
+                                        <p:cTn id="26" dur="1" fill="hold">
+                                          <p:stCondLst>
+                                            <p:cond delay="0"/>
+                                          </p:stCondLst>
+                                        </p:cTn>
+                                        <p:tgtEl>
+                                          <p:spTgt spid="34"/>
+                                        </p:tgtEl>
+                                        <p:attrNameLst>
+                                          <p:attrName>style.visibility</p:attrName>
+                                        </p:attrNameLst>
+                                      </p:cBhvr>
+                                      <p:to>
+                                        <p:strVal val="visible"/>
+                                      </p:to>
+                                    </p:set>
+                                    <p:anim calcmode="lin" valueType="num">
+                                      <p:cBhvr additive="base">
+                                        <p:cTn id="27" dur="500" fill="hold"/>
+                                        <p:tgtEl>
+                                          <p:spTgt spid="34"/>
+                                        </p:tgtEl>
+                                        <p:attrNameLst>
+                                          <p:attrName>ppt_x</p:attrName>
+                                        </p:attrNameLst>
+                                      </p:cBhvr>
+                                      <p:tavLst>
+                                        <p:tav tm="0">
+                                          <p:val>
+                                            <p:strVal val="0-#ppt_w/2"/>
+                                          </p:val>
+                                        </p:tav>
+                                        <p:tav tm="100000">
+                                          <p:val>
+                                            <p:strVal val="#ppt_x"/>
+                                          </p:val>
+                                        </p:tav>
+                                      </p:tavLst>
+                                    </p:anim>
+                                    <p:anim calcmode="lin" valueType="num">
+                                      <p:cBhvr additive="base">
+                                        <p:cTn id="28" dur="500" fill="hold"/>
+                                        <p:tgtEl>
+                                          <p:spTgt spid="34"/>
+                                        </p:tgtEl>
+                                        <p:attrNameLst>
+                                          <p:attrName>ppt_y</p:attrName>
+                                        </p:attrNameLst>
+                                      </p:cBhvr>
+                                      <p:tavLst>
+                                        <p:tav tm="0">
+                                          <p:val>
+                                            <p:strVal val="#ppt_y"/>
+                                          </p:val>
+                                        </p:tav>
+                                        <p:tav tm="100000">
+                                          <p:val>
+                                            <p:strVal val="#ppt_y"/>
+                                          </p:val>
+                                        </p:tav>
+                                      </p:tavLst>
+                                    </p:anim>
+                                  </p:childTnLst>
+                                </p:cTn>
+                              </p:par>
+                            </p:childTnLst>
+                          </p:cTn>
+                        </p:par>
+                      </p:childTnLst>
+                    </p:cTn>
+                  </p:par>
+                  <p:par>
+                    <p:cTn id="29" fill="hold">
+                      <p:stCondLst>
+                        <p:cond delay="indefinite"/>
+                      </p:stCondLst>
+                      <p:childTnLst>
+                        <p:par>
+                          <p:cTn id="30" fill="hold">
+                            <p:stCondLst>
+                              <p:cond delay="0"/>
+                            </p:stCondLst>
+                            <p:childTnLst>
+                              <p:par>
+                                <p:cTn id="31" presetID="1" presetClass="entr" presetSubtype="0" fill="hold" nodeType="clickEffect">
+                                  <p:stCondLst>
+                                    <p:cond delay="0"/>
+                                  </p:stCondLst>
+                                  <p:childTnLst>
+                                    <p:set>
+                                      <p:cBhvr>
+                                        <p:cTn id="32" dur="1" fill="hold">
+                                          <p:stCondLst>
+                                            <p:cond delay="0"/>
+                                          </p:stCondLst>
+                                        </p:cTn>
+                                        <p:tgtEl>
+                                          <p:spTgt spid="30"/>
+                                        </p:tgtEl>
+                                        <p:attrNameLst>
+                                          <p:attrName>style.visibility</p:attrName>
+                                        </p:attrNameLst>
+                                      </p:cBhvr>
+                                      <p:to>
+                                        <p:strVal val="visible"/>
+                                      </p:to>
+                                    </p:set>
+                                  </p:childTnLst>
+                                </p:cTn>
+                              </p:par>
+                              <p:par>
+                                <p:cTn id="33" presetID="1" presetClass="entr" presetSubtype="0" fill="hold" nodeType="withEffect">
+                                  <p:stCondLst>
+                                    <p:cond delay="0"/>
+                                  </p:stCondLst>
+                                  <p:childTnLst>
+                                    <p:set>
+                                      <p:cBhvr>
+                                        <p:cTn id="34" dur="1" fill="hold">
+                                          <p:stCondLst>
+                                            <p:cond delay="0"/>
+                                          </p:stCondLst>
+                                        </p:cTn>
+                                        <p:tgtEl>
+                                          <p:spTgt spid="31"/>
+                                        </p:tgtEl>
+                                        <p:attrNameLst>
+                                          <p:attrName>style.visibility</p:attrName>
+                                        </p:attrNameLst>
+                                      </p:cBhvr>
+                                      <p:to>
+                                        <p:strVal val="visible"/>
+                                      </p:to>
+                                    </p:set>
+                                  </p:childTnLst>
+                                </p:cTn>
+                              </p:par>
+                              <p:par>
+                                <p:cTn id="35" presetID="1" presetClass="entr" presetSubtype="0" fill="hold" grpId="0" nodeType="withEffect">
+                                  <p:stCondLst>
+                                    <p:cond delay="0"/>
+                                  </p:stCondLst>
+                                  <p:childTnLst>
+                                    <p:set>
+                                      <p:cBhvr>
+                                        <p:cTn id="36" dur="1" fill="hold">
+                                          <p:stCondLst>
+                                            <p:cond delay="0"/>
+                                          </p:stCondLst>
+                                        </p:cTn>
+                                        <p:tgtEl>
+                                          <p:spTgt spid="28"/>
+                                        </p:tgtEl>
+                                        <p:attrNameLst>
+                                          <p:attrName>style.visibility</p:attrName>
+                                        </p:attrNameLst>
+                                      </p:cBhvr>
+                                      <p:to>
+                                        <p:strVal val="visible"/>
+                                      </p:to>
+                                    </p:set>
+                                  </p:childTnLst>
+                                </p:cTn>
+                              </p:par>
+                            </p:childTnLst>
+                          </p:cTn>
+                        </p:par>
+                      </p:childTnLst>
+                    </p:cTn>
+                  </p:par>
+                </p:childTnLst>
+              </p:cTn>
+              <p:prevCondLst>
+                <p:cond evt="onPrev" delay="0">
+                  <p:tgtEl>
+                    <p:sldTgt/>
+                  </p:tgtEl>
+                </p:cond>
+              </p:prevCondLst>
+              <p:nextCondLst>
+                <p:cond evt="onNext" delay="0">
+                  <p:tgtEl>
+                    <p:sldTgt/>
+                  </p:tgtEl>
+                </p:cond>
+              </p:nextCondLst>
+            </p:seq>
+          </p:childTnLst>
+        </p:cTn>
+      </p:par>
+    </p:tnLst>
+    <p:bldLst>
+      <p:bldP spid="14" grpId="0" animBg="1"/>
+      <p:bldP spid="28" grpId="0" animBg="1"/>
+      <p:bldP spid="32" grpId="0" animBg="1"/>
+      <p:bldP spid="33" grpId="0"/>
+      <p:bldP spid="34" grpId="0" animBg="1"/>
+    </p:bldLst>
+  </p:timing>
 </p:sld>
 </file>
 
